--- a/p2p通信.pptx
+++ b/p2p通信.pptx
@@ -3,36 +3,37 @@
 <p:presentation xmlns:a="http://schemas.openxmlformats.org/drawingml/2006/main" xmlns:r="http://schemas.openxmlformats.org/officeDocument/2006/relationships" xmlns:p="http://schemas.openxmlformats.org/presentationml/2006/main">
   <p:sldMasterIdLst>
     <p:sldMasterId id="2147483648" r:id="rId1"/>
-    <p:sldMasterId id="2147483657" r:id="rId2"/>
+    <p:sldMasterId id="2147483657" r:id="rId3"/>
   </p:sldMasterIdLst>
   <p:notesMasterIdLst>
-    <p:notesMasterId r:id="rId22"/>
+    <p:notesMasterId r:id="rId5"/>
   </p:notesMasterIdLst>
   <p:sldIdLst>
-    <p:sldId id="362" r:id="rId3"/>
-    <p:sldId id="363" r:id="rId4"/>
-    <p:sldId id="418" r:id="rId5"/>
-    <p:sldId id="421" r:id="rId6"/>
-    <p:sldId id="422" r:id="rId7"/>
-    <p:sldId id="443" r:id="rId8"/>
-    <p:sldId id="456" r:id="rId9"/>
-    <p:sldId id="448" r:id="rId10"/>
-    <p:sldId id="449" r:id="rId11"/>
-    <p:sldId id="446" r:id="rId12"/>
-    <p:sldId id="447" r:id="rId13"/>
-    <p:sldId id="450" r:id="rId14"/>
-    <p:sldId id="451" r:id="rId15"/>
-    <p:sldId id="452" r:id="rId16"/>
-    <p:sldId id="453" r:id="rId17"/>
-    <p:sldId id="454" r:id="rId18"/>
-    <p:sldId id="455" r:id="rId19"/>
-    <p:sldId id="423" r:id="rId20"/>
-    <p:sldId id="407" r:id="rId21"/>
+    <p:sldId id="362" r:id="rId4"/>
+    <p:sldId id="363" r:id="rId6"/>
+    <p:sldId id="418" r:id="rId7"/>
+    <p:sldId id="421" r:id="rId8"/>
+    <p:sldId id="422" r:id="rId9"/>
+    <p:sldId id="443" r:id="rId10"/>
+    <p:sldId id="456" r:id="rId11"/>
+    <p:sldId id="448" r:id="rId12"/>
+    <p:sldId id="449" r:id="rId13"/>
+    <p:sldId id="446" r:id="rId14"/>
+    <p:sldId id="447" r:id="rId15"/>
+    <p:sldId id="450" r:id="rId16"/>
+    <p:sldId id="451" r:id="rId17"/>
+    <p:sldId id="452" r:id="rId18"/>
+    <p:sldId id="469" r:id="rId19"/>
+    <p:sldId id="453" r:id="rId20"/>
+    <p:sldId id="454" r:id="rId21"/>
+    <p:sldId id="455" r:id="rId22"/>
+    <p:sldId id="423" r:id="rId23"/>
+    <p:sldId id="407" r:id="rId24"/>
   </p:sldIdLst>
   <p:sldSz cx="12192000" cy="6858000"/>
   <p:notesSz cx="6858000" cy="9144000"/>
   <p:custDataLst>
-    <p:tags r:id="rId23"/>
+    <p:tags r:id="rId28"/>
   </p:custDataLst>
   <p:defaultTextStyle>
     <a:defPPr>
@@ -129,22 +130,6 @@
       </a:defRPr>
     </a:lvl9pPr>
   </p:defaultTextStyle>
-  <p:extLst>
-    <p:ext uri="{EFAFB233-063F-42B5-8137-9DF3F51BA10A}">
-      <p15:sldGuideLst xmlns:p15="http://schemas.microsoft.com/office/powerpoint/2012/main">
-        <p15:guide id="1" orient="horz" pos="2134">
-          <p15:clr>
-            <a:srgbClr val="A4A3A4"/>
-          </p15:clr>
-        </p15:guide>
-        <p15:guide id="2" pos="3846">
-          <p15:clr>
-            <a:srgbClr val="A4A3A4"/>
-          </p15:clr>
-        </p15:guide>
-      </p15:sldGuideLst>
-    </p:ext>
-  </p:extLst>
 </p:presentation>
 </file>
 
@@ -230,7 +215,6 @@
           <a:p>
             <a:fld id="{449C303D-B686-4E9A-9B4B-6FD30633AA4A}" type="datetimeFigureOut">
               <a:rPr lang="zh-CN" altLang="en-US" smtClean="0"/>
-              <a:t>2022/9/27</a:t>
             </a:fld>
             <a:endParaRPr lang="zh-CN" altLang="en-US"/>
           </a:p>
@@ -297,6 +281,7 @@
               <a:rPr lang="zh-CN" altLang="en-US"/>
               <a:t>单击此处编辑母版文本样式</a:t>
             </a:r>
+            <a:endParaRPr lang="zh-CN" altLang="en-US"/>
           </a:p>
           <a:p>
             <a:pPr lvl="1"/>
@@ -304,6 +289,7 @@
               <a:rPr lang="zh-CN" altLang="en-US"/>
               <a:t>二级</a:t>
             </a:r>
+            <a:endParaRPr lang="zh-CN" altLang="en-US"/>
           </a:p>
           <a:p>
             <a:pPr lvl="2"/>
@@ -311,6 +297,7 @@
               <a:rPr lang="zh-CN" altLang="en-US"/>
               <a:t>三级</a:t>
             </a:r>
+            <a:endParaRPr lang="zh-CN" altLang="en-US"/>
           </a:p>
           <a:p>
             <a:pPr lvl="3"/>
@@ -318,6 +305,7 @@
               <a:rPr lang="zh-CN" altLang="en-US"/>
               <a:t>四级</a:t>
             </a:r>
+            <a:endParaRPr lang="zh-CN" altLang="en-US"/>
           </a:p>
           <a:p>
             <a:pPr lvl="4"/>
@@ -325,6 +313,7 @@
               <a:rPr lang="zh-CN" altLang="en-US"/>
               <a:t>五级</a:t>
             </a:r>
+            <a:endParaRPr lang="zh-CN" altLang="en-US"/>
           </a:p>
         </p:txBody>
       </p:sp>
@@ -388,7 +377,6 @@
           <a:p>
             <a:fld id="{2A4DD0AC-7F07-4128-B9A6-9AC6CBCF667D}" type="slidenum">
               <a:rPr lang="zh-CN" altLang="en-US" smtClean="0"/>
-              <a:t>‹#›</a:t>
             </a:fld>
             <a:endParaRPr lang="zh-CN" altLang="en-US"/>
           </a:p>
@@ -586,7 +574,6 @@
                 <a:ea typeface="等线" panose="02010600030101010101" charset="-122"/>
                 <a:cs typeface="+mn-cs"/>
               </a:rPr>
-              <a:t>1</a:t>
             </a:fld>
             <a:endParaRPr kumimoji="0" lang="zh-CN" altLang="en-US" sz="1200" b="0" i="0" u="none" strike="noStrike" kern="1200" cap="none" spc="0" normalizeH="0" baseline="0" noProof="0">
               <a:ln>
@@ -707,7 +694,6 @@
                 <a:ea typeface="等线" panose="02010600030101010101" charset="-122"/>
                 <a:cs typeface="+mn-cs"/>
               </a:rPr>
-              <a:t>10</a:t>
             </a:fld>
             <a:endParaRPr kumimoji="0" lang="zh-CN" altLang="en-US" sz="1200" b="0" i="0" u="none" strike="noStrike" kern="1200" cap="none" spc="0" normalizeH="0" baseline="0" noProof="0">
               <a:ln>
@@ -727,11 +713,6 @@
         </p:txBody>
       </p:sp>
     </p:spTree>
-    <p:extLst>
-      <p:ext uri="{BB962C8B-B14F-4D97-AF65-F5344CB8AC3E}">
-        <p14:creationId xmlns:p14="http://schemas.microsoft.com/office/powerpoint/2010/main" val="1254036536"/>
-      </p:ext>
-    </p:extLst>
   </p:cSld>
   <p:clrMapOvr>
     <a:masterClrMapping/>
@@ -833,7 +814,6 @@
                 <a:ea typeface="等线" panose="02010600030101010101" charset="-122"/>
                 <a:cs typeface="+mn-cs"/>
               </a:rPr>
-              <a:t>11</a:t>
             </a:fld>
             <a:endParaRPr kumimoji="0" lang="zh-CN" altLang="en-US" sz="1200" b="0" i="0" u="none" strike="noStrike" kern="1200" cap="none" spc="0" normalizeH="0" baseline="0" noProof="0">
               <a:ln>
@@ -853,11 +833,6 @@
         </p:txBody>
       </p:sp>
     </p:spTree>
-    <p:extLst>
-      <p:ext uri="{BB962C8B-B14F-4D97-AF65-F5344CB8AC3E}">
-        <p14:creationId xmlns:p14="http://schemas.microsoft.com/office/powerpoint/2010/main" val="937895435"/>
-      </p:ext>
-    </p:extLst>
   </p:cSld>
   <p:clrMapOvr>
     <a:masterClrMapping/>
@@ -959,7 +934,6 @@
                 <a:ea typeface="等线" panose="02010600030101010101" charset="-122"/>
                 <a:cs typeface="+mn-cs"/>
               </a:rPr>
-              <a:t>12</a:t>
             </a:fld>
             <a:endParaRPr kumimoji="0" lang="zh-CN" altLang="en-US" sz="1200" b="0" i="0" u="none" strike="noStrike" kern="1200" cap="none" spc="0" normalizeH="0" baseline="0" noProof="0">
               <a:ln>
@@ -979,11 +953,6 @@
         </p:txBody>
       </p:sp>
     </p:spTree>
-    <p:extLst>
-      <p:ext uri="{BB962C8B-B14F-4D97-AF65-F5344CB8AC3E}">
-        <p14:creationId xmlns:p14="http://schemas.microsoft.com/office/powerpoint/2010/main" val="1972363505"/>
-      </p:ext>
-    </p:extLst>
   </p:cSld>
   <p:clrMapOvr>
     <a:masterClrMapping/>
@@ -1085,7 +1054,6 @@
                 <a:ea typeface="等线" panose="02010600030101010101" charset="-122"/>
                 <a:cs typeface="+mn-cs"/>
               </a:rPr>
-              <a:t>13</a:t>
             </a:fld>
             <a:endParaRPr kumimoji="0" lang="zh-CN" altLang="en-US" sz="1200" b="0" i="0" u="none" strike="noStrike" kern="1200" cap="none" spc="0" normalizeH="0" baseline="0" noProof="0">
               <a:ln>
@@ -1105,11 +1073,6 @@
         </p:txBody>
       </p:sp>
     </p:spTree>
-    <p:extLst>
-      <p:ext uri="{BB962C8B-B14F-4D97-AF65-F5344CB8AC3E}">
-        <p14:creationId xmlns:p14="http://schemas.microsoft.com/office/powerpoint/2010/main" val="3378538187"/>
-      </p:ext>
-    </p:extLst>
   </p:cSld>
   <p:clrMapOvr>
     <a:masterClrMapping/>
@@ -1211,7 +1174,6 @@
                 <a:ea typeface="等线" panose="02010600030101010101" charset="-122"/>
                 <a:cs typeface="+mn-cs"/>
               </a:rPr>
-              <a:t>14</a:t>
             </a:fld>
             <a:endParaRPr kumimoji="0" lang="zh-CN" altLang="en-US" sz="1200" b="0" i="0" u="none" strike="noStrike" kern="1200" cap="none" spc="0" normalizeH="0" baseline="0" noProof="0">
               <a:ln>
@@ -1231,11 +1193,6 @@
         </p:txBody>
       </p:sp>
     </p:spTree>
-    <p:extLst>
-      <p:ext uri="{BB962C8B-B14F-4D97-AF65-F5344CB8AC3E}">
-        <p14:creationId xmlns:p14="http://schemas.microsoft.com/office/powerpoint/2010/main" val="3958243142"/>
-      </p:ext>
-    </p:extLst>
   </p:cSld>
   <p:clrMapOvr>
     <a:masterClrMapping/>
@@ -1337,7 +1294,6 @@
                 <a:ea typeface="等线" panose="02010600030101010101" charset="-122"/>
                 <a:cs typeface="+mn-cs"/>
               </a:rPr>
-              <a:t>15</a:t>
             </a:fld>
             <a:endParaRPr kumimoji="0" lang="zh-CN" altLang="en-US" sz="1200" b="0" i="0" u="none" strike="noStrike" kern="1200" cap="none" spc="0" normalizeH="0" baseline="0" noProof="0">
               <a:ln>
@@ -1357,11 +1313,6 @@
         </p:txBody>
       </p:sp>
     </p:spTree>
-    <p:extLst>
-      <p:ext uri="{BB962C8B-B14F-4D97-AF65-F5344CB8AC3E}">
-        <p14:creationId xmlns:p14="http://schemas.microsoft.com/office/powerpoint/2010/main" val="4255326770"/>
-      </p:ext>
-    </p:extLst>
   </p:cSld>
   <p:clrMapOvr>
     <a:masterClrMapping/>
@@ -1463,7 +1414,6 @@
                 <a:ea typeface="等线" panose="02010600030101010101" charset="-122"/>
                 <a:cs typeface="+mn-cs"/>
               </a:rPr>
-              <a:t>16</a:t>
             </a:fld>
             <a:endParaRPr kumimoji="0" lang="zh-CN" altLang="en-US" sz="1200" b="0" i="0" u="none" strike="noStrike" kern="1200" cap="none" spc="0" normalizeH="0" baseline="0" noProof="0">
               <a:ln>
@@ -1483,11 +1433,6 @@
         </p:txBody>
       </p:sp>
     </p:spTree>
-    <p:extLst>
-      <p:ext uri="{BB962C8B-B14F-4D97-AF65-F5344CB8AC3E}">
-        <p14:creationId xmlns:p14="http://schemas.microsoft.com/office/powerpoint/2010/main" val="2461293090"/>
-      </p:ext>
-    </p:extLst>
   </p:cSld>
   <p:clrMapOvr>
     <a:masterClrMapping/>
@@ -1589,7 +1534,6 @@
                 <a:ea typeface="等线" panose="02010600030101010101" charset="-122"/>
                 <a:cs typeface="+mn-cs"/>
               </a:rPr>
-              <a:t>17</a:t>
             </a:fld>
             <a:endParaRPr kumimoji="0" lang="zh-CN" altLang="en-US" sz="1200" b="0" i="0" u="none" strike="noStrike" kern="1200" cap="none" spc="0" normalizeH="0" baseline="0" noProof="0">
               <a:ln>
@@ -1609,11 +1553,6 @@
         </p:txBody>
       </p:sp>
     </p:spTree>
-    <p:extLst>
-      <p:ext uri="{BB962C8B-B14F-4D97-AF65-F5344CB8AC3E}">
-        <p14:creationId xmlns:p14="http://schemas.microsoft.com/office/powerpoint/2010/main" val="3548023930"/>
-      </p:ext>
-    </p:extLst>
   </p:cSld>
   <p:clrMapOvr>
     <a:masterClrMapping/>
@@ -1715,7 +1654,6 @@
                 <a:ea typeface="等线" panose="02010600030101010101" charset="-122"/>
                 <a:cs typeface="+mn-cs"/>
               </a:rPr>
-              <a:t>18</a:t>
             </a:fld>
             <a:endParaRPr kumimoji="0" lang="zh-CN" altLang="en-US" sz="1200" b="0" i="0" u="none" strike="noStrike" kern="1200" cap="none" spc="0" normalizeH="0" baseline="0" noProof="0">
               <a:ln>
@@ -1786,7 +1724,7 @@
           <a:bodyPr/>
           <a:lstStyle/>
           <a:p>
-            <a:endParaRPr lang="zh-CN" altLang="en-US"/>
+            <a:endParaRPr lang="zh-CN" altLang="en-US" dirty="0"/>
           </a:p>
         </p:txBody>
       </p:sp>
@@ -1836,7 +1774,6 @@
                 <a:ea typeface="等线" panose="02010600030101010101" charset="-122"/>
                 <a:cs typeface="+mn-cs"/>
               </a:rPr>
-              <a:t>19</a:t>
             </a:fld>
             <a:endParaRPr kumimoji="0" lang="zh-CN" altLang="en-US" sz="1200" b="0" i="0" u="none" strike="noStrike" kern="1200" cap="none" spc="0" normalizeH="0" baseline="0" noProof="0">
               <a:ln>
@@ -1957,7 +1894,126 @@
                 <a:ea typeface="等线" panose="02010600030101010101" charset="-122"/>
                 <a:cs typeface="+mn-cs"/>
               </a:rPr>
-              <a:t>2</a:t>
+            </a:fld>
+            <a:endParaRPr kumimoji="0" lang="zh-CN" altLang="en-US" sz="1200" b="0" i="0" u="none" strike="noStrike" kern="1200" cap="none" spc="0" normalizeH="0" baseline="0" noProof="0">
+              <a:ln>
+                <a:noFill/>
+              </a:ln>
+              <a:solidFill>
+                <a:prstClr val="black"/>
+              </a:solidFill>
+              <a:effectLst/>
+              <a:uLnTx/>
+              <a:uFillTx/>
+              <a:latin typeface="等线" panose="02010600030101010101" charset="-122"/>
+              <a:ea typeface="等线" panose="02010600030101010101" charset="-122"/>
+              <a:cs typeface="+mn-cs"/>
+            </a:endParaRPr>
+          </a:p>
+        </p:txBody>
+      </p:sp>
+    </p:spTree>
+  </p:cSld>
+  <p:clrMapOvr>
+    <a:masterClrMapping/>
+  </p:clrMapOvr>
+</p:notes>
+</file>
+
+<file path=ppt/notesSlides/notesSlide20.xml><?xml version="1.0" encoding="utf-8"?>
+<p:notes xmlns:a="http://schemas.openxmlformats.org/drawingml/2006/main" xmlns:r="http://schemas.openxmlformats.org/officeDocument/2006/relationships" xmlns:p="http://schemas.openxmlformats.org/presentationml/2006/main">
+  <p:cSld>
+    <p:spTree>
+      <p:nvGrpSpPr>
+        <p:cNvPr id="1" name=""/>
+        <p:cNvGrpSpPr/>
+        <p:nvPr/>
+      </p:nvGrpSpPr>
+      <p:grpSpPr>
+        <a:xfrm>
+          <a:off x="0" y="0"/>
+          <a:ext cx="0" cy="0"/>
+          <a:chOff x="0" y="0"/>
+          <a:chExt cx="0" cy="0"/>
+        </a:xfrm>
+      </p:grpSpPr>
+      <p:sp>
+        <p:nvSpPr>
+          <p:cNvPr id="2" name="幻灯片图像占位符 1"/>
+          <p:cNvSpPr>
+            <a:spLocks noGrp="1" noRot="1" noChangeAspect="1"/>
+          </p:cNvSpPr>
+          <p:nvPr>
+            <p:ph type="sldImg"/>
+          </p:nvPr>
+        </p:nvSpPr>
+        <p:spPr/>
+      </p:sp>
+      <p:sp>
+        <p:nvSpPr>
+          <p:cNvPr id="3" name="备注占位符 2"/>
+          <p:cNvSpPr>
+            <a:spLocks noGrp="1"/>
+          </p:cNvSpPr>
+          <p:nvPr>
+            <p:ph type="body" idx="1"/>
+          </p:nvPr>
+        </p:nvSpPr>
+        <p:spPr/>
+        <p:txBody>
+          <a:bodyPr/>
+          <a:lstStyle/>
+          <a:p>
+            <a:endParaRPr lang="zh-CN" altLang="en-US"/>
+          </a:p>
+        </p:txBody>
+      </p:sp>
+      <p:sp>
+        <p:nvSpPr>
+          <p:cNvPr id="4" name="灯片编号占位符 3"/>
+          <p:cNvSpPr>
+            <a:spLocks noGrp="1"/>
+          </p:cNvSpPr>
+          <p:nvPr>
+            <p:ph type="sldNum" sz="quarter" idx="10"/>
+          </p:nvPr>
+        </p:nvSpPr>
+        <p:spPr/>
+        <p:txBody>
+          <a:bodyPr/>
+          <a:lstStyle/>
+          <a:p>
+            <a:pPr marL="0" marR="0" lvl="0" indent="0" algn="r" defTabSz="914400" rtl="0" eaLnBrk="1" fontAlgn="auto" latinLnBrk="0" hangingPunct="1">
+              <a:lnSpc>
+                <a:spcPct val="100000"/>
+              </a:lnSpc>
+              <a:spcBef>
+                <a:spcPts val="0"/>
+              </a:spcBef>
+              <a:spcAft>
+                <a:spcPts val="0"/>
+              </a:spcAft>
+              <a:buClrTx/>
+              <a:buSzTx/>
+              <a:buFontTx/>
+              <a:buNone/>
+              <a:defRPr/>
+            </a:pPr>
+            <a:fld id="{E2E3AE05-7DD1-4AF0-924E-BEEA496F3737}" type="slidenum">
+              <a:rPr kumimoji="0" lang="zh-CN" altLang="en-US" sz="1200" b="0" i="0" u="none" strike="noStrike" kern="1200" cap="none" spc="0" normalizeH="0" baseline="0" noProof="0" smtClean="0">
+                <a:ln>
+                  <a:noFill/>
+                </a:ln>
+                <a:solidFill>
+                  <a:prstClr val="black"/>
+                </a:solidFill>
+                <a:effectLst/>
+                <a:uLnTx/>
+                <a:uFillTx/>
+                <a:latin typeface="等线" panose="02010600030101010101" charset="-122"/>
+                <a:ea typeface="等线" panose="02010600030101010101" charset="-122"/>
+                <a:cs typeface="+mn-cs"/>
+              </a:rPr>
             </a:fld>
             <a:endParaRPr kumimoji="0" lang="zh-CN" altLang="en-US" sz="1200" b="0" i="0" u="none" strike="noStrike" kern="1200" cap="none" spc="0" normalizeH="0" baseline="0" noProof="0">
               <a:ln>
@@ -2078,7 +2134,6 @@
                 <a:ea typeface="等线" panose="02010600030101010101" charset="-122"/>
                 <a:cs typeface="+mn-cs"/>
               </a:rPr>
-              <a:t>3</a:t>
             </a:fld>
             <a:endParaRPr kumimoji="0" lang="zh-CN" altLang="en-US" sz="1200" b="0" i="0" u="none" strike="noStrike" kern="1200" cap="none" spc="0" normalizeH="0" baseline="0" noProof="0">
               <a:ln>
@@ -2199,7 +2254,6 @@
                 <a:ea typeface="等线" panose="02010600030101010101" charset="-122"/>
                 <a:cs typeface="+mn-cs"/>
               </a:rPr>
-              <a:t>4</a:t>
             </a:fld>
             <a:endParaRPr kumimoji="0" lang="zh-CN" altLang="en-US" sz="1200" b="0" i="0" u="none" strike="noStrike" kern="1200" cap="none" spc="0" normalizeH="0" baseline="0" noProof="0">
               <a:ln>
@@ -2320,7 +2374,6 @@
                 <a:ea typeface="等线" panose="02010600030101010101" charset="-122"/>
                 <a:cs typeface="+mn-cs"/>
               </a:rPr>
-              <a:t>5</a:t>
             </a:fld>
             <a:endParaRPr kumimoji="0" lang="zh-CN" altLang="en-US" sz="1200" b="0" i="0" u="none" strike="noStrike" kern="1200" cap="none" spc="0" normalizeH="0" baseline="0" noProof="0">
               <a:ln>
@@ -2441,7 +2494,6 @@
                 <a:ea typeface="等线" panose="02010600030101010101" charset="-122"/>
                 <a:cs typeface="+mn-cs"/>
               </a:rPr>
-              <a:t>6</a:t>
             </a:fld>
             <a:endParaRPr kumimoji="0" lang="zh-CN" altLang="en-US" sz="1200" b="0" i="0" u="none" strike="noStrike" kern="1200" cap="none" spc="0" normalizeH="0" baseline="0" noProof="0">
               <a:ln>
@@ -2562,7 +2614,6 @@
                 <a:ea typeface="等线" panose="02010600030101010101" charset="-122"/>
                 <a:cs typeface="+mn-cs"/>
               </a:rPr>
-              <a:t>7</a:t>
             </a:fld>
             <a:endParaRPr kumimoji="0" lang="zh-CN" altLang="en-US" sz="1200" b="0" i="0" u="none" strike="noStrike" kern="1200" cap="none" spc="0" normalizeH="0" baseline="0" noProof="0">
               <a:ln>
@@ -2582,11 +2633,6 @@
         </p:txBody>
       </p:sp>
     </p:spTree>
-    <p:extLst>
-      <p:ext uri="{BB962C8B-B14F-4D97-AF65-F5344CB8AC3E}">
-        <p14:creationId xmlns:p14="http://schemas.microsoft.com/office/powerpoint/2010/main" val="3580914759"/>
-      </p:ext>
-    </p:extLst>
   </p:cSld>
   <p:clrMapOvr>
     <a:masterClrMapping/>
@@ -2688,7 +2734,6 @@
                 <a:ea typeface="等线" panose="02010600030101010101" charset="-122"/>
                 <a:cs typeface="+mn-cs"/>
               </a:rPr>
-              <a:t>8</a:t>
             </a:fld>
             <a:endParaRPr kumimoji="0" lang="zh-CN" altLang="en-US" sz="1200" b="0" i="0" u="none" strike="noStrike" kern="1200" cap="none" spc="0" normalizeH="0" baseline="0" noProof="0">
               <a:ln>
@@ -2708,11 +2753,6 @@
         </p:txBody>
       </p:sp>
     </p:spTree>
-    <p:extLst>
-      <p:ext uri="{BB962C8B-B14F-4D97-AF65-F5344CB8AC3E}">
-        <p14:creationId xmlns:p14="http://schemas.microsoft.com/office/powerpoint/2010/main" val="1926331092"/>
-      </p:ext>
-    </p:extLst>
   </p:cSld>
   <p:clrMapOvr>
     <a:masterClrMapping/>
@@ -2814,7 +2854,6 @@
                 <a:ea typeface="等线" panose="02010600030101010101" charset="-122"/>
                 <a:cs typeface="+mn-cs"/>
               </a:rPr>
-              <a:t>9</a:t>
             </a:fld>
             <a:endParaRPr kumimoji="0" lang="zh-CN" altLang="en-US" sz="1200" b="0" i="0" u="none" strike="noStrike" kern="1200" cap="none" spc="0" normalizeH="0" baseline="0" noProof="0">
               <a:ln>
@@ -2834,11 +2873,6 @@
         </p:txBody>
       </p:sp>
     </p:spTree>
-    <p:extLst>
-      <p:ext uri="{BB962C8B-B14F-4D97-AF65-F5344CB8AC3E}">
-        <p14:creationId xmlns:p14="http://schemas.microsoft.com/office/powerpoint/2010/main" val="1873260053"/>
-      </p:ext>
-    </p:extLst>
   </p:cSld>
   <p:clrMapOvr>
     <a:masterClrMapping/>
@@ -3015,11 +3049,11 @@
   <p:clrMapOvr>
     <a:masterClrMapping/>
   </p:clrMapOvr>
-  <mc:AlternateContent xmlns:mc="http://schemas.openxmlformats.org/markup-compatibility/2006" xmlns:p14="http://schemas.microsoft.com/office/powerpoint/2010/main">
-    <mc:Choice Requires="p14">
+  <mc:AlternateContent xmlns:mc="http://schemas.openxmlformats.org/markup-compatibility/2006">
+    <mc:Choice xmlns:p14="http://schemas.microsoft.com/office/powerpoint/2010/main" Requires="p14">
       <p:transition spd="slow" p14:dur="2000" advTm="3000"/>
     </mc:Choice>
-    <mc:Fallback xmlns="">
+    <mc:Fallback>
       <p:transition spd="slow" advTm="3000"/>
     </mc:Fallback>
   </mc:AlternateContent>
@@ -3070,6 +3104,7 @@
               <a:rPr lang="zh-CN" altLang="en-US"/>
               <a:t>单击此处编辑母版标题样式</a:t>
             </a:r>
+            <a:endParaRPr lang="zh-CN" altLang="en-US"/>
           </a:p>
         </p:txBody>
       </p:sp>
@@ -3101,6 +3136,7 @@
               <a:rPr lang="zh-CN" altLang="en-US"/>
               <a:t>单击此处编辑母版文本样式</a:t>
             </a:r>
+            <a:endParaRPr lang="zh-CN" altLang="en-US"/>
           </a:p>
           <a:p>
             <a:pPr lvl="1"/>
@@ -3108,6 +3144,7 @@
               <a:rPr lang="zh-CN" altLang="en-US"/>
               <a:t>第二级</a:t>
             </a:r>
+            <a:endParaRPr lang="zh-CN" altLang="en-US"/>
           </a:p>
           <a:p>
             <a:pPr lvl="2"/>
@@ -3115,6 +3152,7 @@
               <a:rPr lang="zh-CN" altLang="en-US"/>
               <a:t>第三级</a:t>
             </a:r>
+            <a:endParaRPr lang="zh-CN" altLang="en-US"/>
           </a:p>
           <a:p>
             <a:pPr lvl="3"/>
@@ -3122,6 +3160,7 @@
               <a:rPr lang="zh-CN" altLang="en-US"/>
               <a:t>第四级</a:t>
             </a:r>
+            <a:endParaRPr lang="zh-CN" altLang="en-US"/>
           </a:p>
           <a:p>
             <a:pPr lvl="4"/>
@@ -3129,6 +3168,7 @@
               <a:rPr lang="zh-CN" altLang="en-US"/>
               <a:t>第五级</a:t>
             </a:r>
+            <a:endParaRPr lang="zh-CN" altLang="en-US"/>
           </a:p>
         </p:txBody>
       </p:sp>
@@ -3161,7 +3201,6 @@
                   <a:prstClr val="black"/>
                 </a:solidFill>
               </a:rPr>
-              <a:t>2022/9/27</a:t>
             </a:fld>
             <a:endParaRPr lang="zh-CN" altLang="en-US">
               <a:solidFill>
@@ -3231,7 +3270,6 @@
                   <a:prstClr val="black"/>
                 </a:solidFill>
               </a:rPr>
-              <a:t>‹#›</a:t>
             </a:fld>
             <a:endParaRPr lang="zh-CN" altLang="en-US">
               <a:solidFill>
@@ -3296,11 +3334,11 @@
   <p:clrMapOvr>
     <a:masterClrMapping/>
   </p:clrMapOvr>
-  <mc:AlternateContent xmlns:mc="http://schemas.openxmlformats.org/markup-compatibility/2006" xmlns:p14="http://schemas.microsoft.com/office/powerpoint/2010/main">
-    <mc:Choice Requires="p14">
+  <mc:AlternateContent xmlns:mc="http://schemas.openxmlformats.org/markup-compatibility/2006">
+    <mc:Choice xmlns:p14="http://schemas.microsoft.com/office/powerpoint/2010/main" Requires="p14">
       <p:transition spd="slow" p14:dur="2000" advTm="3000"/>
     </mc:Choice>
-    <mc:Fallback xmlns="">
+    <mc:Fallback>
       <p:transition spd="slow" advTm="3000"/>
     </mc:Fallback>
   </mc:AlternateContent>
@@ -3329,11 +3367,11 @@
   <p:clrMapOvr>
     <a:masterClrMapping/>
   </p:clrMapOvr>
-  <mc:AlternateContent xmlns:mc="http://schemas.openxmlformats.org/markup-compatibility/2006" xmlns:p14="http://schemas.microsoft.com/office/powerpoint/2010/main">
-    <mc:Choice Requires="p14">
+  <mc:AlternateContent xmlns:mc="http://schemas.openxmlformats.org/markup-compatibility/2006">
+    <mc:Choice xmlns:p14="http://schemas.microsoft.com/office/powerpoint/2010/main" Requires="p14">
       <p:transition spd="slow" p14:dur="2000" advTm="3000"/>
     </mc:Choice>
-    <mc:Fallback xmlns="">
+    <mc:Fallback>
       <p:transition spd="slow" advTm="3000"/>
     </mc:Fallback>
   </mc:AlternateContent>
@@ -3362,11 +3400,11 @@
   <p:clrMapOvr>
     <a:masterClrMapping/>
   </p:clrMapOvr>
-  <mc:AlternateContent xmlns:mc="http://schemas.openxmlformats.org/markup-compatibility/2006" xmlns:p14="http://schemas.microsoft.com/office/powerpoint/2010/main">
-    <mc:Choice Requires="p14">
+  <mc:AlternateContent xmlns:mc="http://schemas.openxmlformats.org/markup-compatibility/2006">
+    <mc:Choice xmlns:p14="http://schemas.microsoft.com/office/powerpoint/2010/main" Requires="p14">
       <p:transition spd="slow" p14:dur="2000" advTm="3000"/>
     </mc:Choice>
-    <mc:Fallback xmlns="">
+    <mc:Fallback>
       <p:transition spd="slow" advTm="3000"/>
     </mc:Fallback>
   </mc:AlternateContent>
@@ -3417,6 +3455,7 @@
               <a:rPr lang="zh-CN" altLang="en-US"/>
               <a:t>单击此处编辑母版标题样式</a:t>
             </a:r>
+            <a:endParaRPr lang="zh-CN" altLang="en-US"/>
           </a:p>
         </p:txBody>
       </p:sp>
@@ -3425,11 +3464,11 @@
   <p:clrMapOvr>
     <a:masterClrMapping/>
   </p:clrMapOvr>
-  <mc:AlternateContent xmlns:mc="http://schemas.openxmlformats.org/markup-compatibility/2006" xmlns:p14="http://schemas.microsoft.com/office/powerpoint/2010/main">
-    <mc:Choice Requires="p14">
+  <mc:AlternateContent xmlns:mc="http://schemas.openxmlformats.org/markup-compatibility/2006">
+    <mc:Choice xmlns:p14="http://schemas.microsoft.com/office/powerpoint/2010/main" Requires="p14">
       <p:transition spd="slow" p14:dur="2000" advTm="3000"/>
     </mc:Choice>
-    <mc:Fallback xmlns="">
+    <mc:Fallback>
       <p:transition spd="slow" advTm="3000"/>
     </mc:Fallback>
   </mc:AlternateContent>
@@ -3480,6 +3519,7 @@
               <a:rPr lang="zh-CN" altLang="en-US"/>
               <a:t>单击此处编辑母版标题样式</a:t>
             </a:r>
+            <a:endParaRPr lang="zh-CN" altLang="en-US"/>
           </a:p>
         </p:txBody>
       </p:sp>
@@ -3612,11 +3652,11 @@
   <p:clrMapOvr>
     <a:masterClrMapping/>
   </p:clrMapOvr>
-  <mc:AlternateContent xmlns:mc="http://schemas.openxmlformats.org/markup-compatibility/2006" xmlns:p14="http://schemas.microsoft.com/office/powerpoint/2010/main">
-    <mc:Choice Requires="p14">
+  <mc:AlternateContent xmlns:mc="http://schemas.openxmlformats.org/markup-compatibility/2006">
+    <mc:Choice xmlns:p14="http://schemas.microsoft.com/office/powerpoint/2010/main" Requires="p14">
       <p:transition spd="slow" p14:dur="2000" advTm="3000"/>
     </mc:Choice>
-    <mc:Fallback xmlns="">
+    <mc:Fallback>
       <p:transition spd="slow" advTm="3000"/>
     </mc:Fallback>
   </mc:AlternateContent>
@@ -3667,6 +3707,7 @@
               <a:rPr lang="zh-CN" altLang="en-US"/>
               <a:t>单击此处编辑母版标题样式</a:t>
             </a:r>
+            <a:endParaRPr lang="zh-CN" altLang="en-US"/>
           </a:p>
         </p:txBody>
       </p:sp>
@@ -3675,11 +3716,11 @@
   <p:clrMapOvr>
     <a:masterClrMapping/>
   </p:clrMapOvr>
-  <mc:AlternateContent xmlns:mc="http://schemas.openxmlformats.org/markup-compatibility/2006" xmlns:p14="http://schemas.microsoft.com/office/powerpoint/2010/main">
-    <mc:Choice Requires="p14">
+  <mc:AlternateContent xmlns:mc="http://schemas.openxmlformats.org/markup-compatibility/2006">
+    <mc:Choice xmlns:p14="http://schemas.microsoft.com/office/powerpoint/2010/main" Requires="p14">
       <p:transition spd="slow" p14:dur="2000" advTm="3000"/>
     </mc:Choice>
-    <mc:Fallback xmlns="">
+    <mc:Fallback>
       <p:transition spd="slow" advTm="3000"/>
     </mc:Fallback>
   </mc:AlternateContent>
@@ -3730,6 +3771,7 @@
               <a:rPr lang="zh-CN" altLang="en-US"/>
               <a:t>单击此处编辑母版标题样式</a:t>
             </a:r>
+            <a:endParaRPr lang="zh-CN" altLang="en-US"/>
           </a:p>
         </p:txBody>
       </p:sp>
@@ -3738,11 +3780,11 @@
   <p:clrMapOvr>
     <a:masterClrMapping/>
   </p:clrMapOvr>
-  <mc:AlternateContent xmlns:mc="http://schemas.openxmlformats.org/markup-compatibility/2006" xmlns:p14="http://schemas.microsoft.com/office/powerpoint/2010/main">
-    <mc:Choice Requires="p14">
+  <mc:AlternateContent xmlns:mc="http://schemas.openxmlformats.org/markup-compatibility/2006">
+    <mc:Choice xmlns:p14="http://schemas.microsoft.com/office/powerpoint/2010/main" Requires="p14">
       <p:transition spd="slow" p14:dur="2000" advTm="3000"/>
     </mc:Choice>
-    <mc:Fallback xmlns="">
+    <mc:Fallback>
       <p:transition spd="slow" advTm="3000"/>
     </mc:Fallback>
   </mc:AlternateContent>
@@ -3793,6 +3835,7 @@
               <a:rPr lang="zh-CN" altLang="en-US"/>
               <a:t>单击此处编辑母版标题样式</a:t>
             </a:r>
+            <a:endParaRPr lang="zh-CN" altLang="en-US"/>
           </a:p>
         </p:txBody>
       </p:sp>
@@ -3824,6 +3867,7 @@
               <a:rPr lang="zh-CN" altLang="en-US"/>
               <a:t>单击此处编辑母版文本样式</a:t>
             </a:r>
+            <a:endParaRPr lang="zh-CN" altLang="en-US"/>
           </a:p>
           <a:p>
             <a:pPr lvl="1"/>
@@ -3831,6 +3875,7 @@
               <a:rPr lang="zh-CN" altLang="en-US"/>
               <a:t>第二级</a:t>
             </a:r>
+            <a:endParaRPr lang="zh-CN" altLang="en-US"/>
           </a:p>
           <a:p>
             <a:pPr lvl="2"/>
@@ -3838,6 +3883,7 @@
               <a:rPr lang="zh-CN" altLang="en-US"/>
               <a:t>第三级</a:t>
             </a:r>
+            <a:endParaRPr lang="zh-CN" altLang="en-US"/>
           </a:p>
           <a:p>
             <a:pPr lvl="3"/>
@@ -3845,6 +3891,7 @@
               <a:rPr lang="zh-CN" altLang="en-US"/>
               <a:t>第四级</a:t>
             </a:r>
+            <a:endParaRPr lang="zh-CN" altLang="en-US"/>
           </a:p>
           <a:p>
             <a:pPr lvl="4"/>
@@ -3852,6 +3899,7 @@
               <a:rPr lang="zh-CN" altLang="en-US"/>
               <a:t>第五级</a:t>
             </a:r>
+            <a:endParaRPr lang="zh-CN" altLang="en-US"/>
           </a:p>
         </p:txBody>
       </p:sp>
@@ -3884,7 +3932,6 @@
                   <a:prstClr val="black"/>
                 </a:solidFill>
               </a:rPr>
-              <a:t>2022/9/27</a:t>
             </a:fld>
             <a:endParaRPr lang="zh-CN" altLang="en-US">
               <a:solidFill>
@@ -3954,7 +4001,6 @@
                   <a:prstClr val="black"/>
                 </a:solidFill>
               </a:rPr>
-              <a:t>‹#›</a:t>
             </a:fld>
             <a:endParaRPr lang="zh-CN" altLang="en-US">
               <a:solidFill>
@@ -4007,11 +4053,11 @@
     <p:sldLayoutId id="2147483655" r:id="rId7"/>
     <p:sldLayoutId id="2147483656" r:id="rId8"/>
   </p:sldLayoutIdLst>
-  <mc:AlternateContent xmlns:mc="http://schemas.openxmlformats.org/markup-compatibility/2006" xmlns:p14="http://schemas.microsoft.com/office/powerpoint/2010/main">
-    <mc:Choice Requires="p14">
+  <mc:AlternateContent xmlns:mc="http://schemas.openxmlformats.org/markup-compatibility/2006">
+    <mc:Choice xmlns:p14="http://schemas.microsoft.com/office/powerpoint/2010/main" Requires="p14">
       <p:transition spd="slow" p14:dur="2000" advTm="3000"/>
     </mc:Choice>
-    <mc:Fallback xmlns="">
+    <mc:Fallback>
       <p:transition spd="slow" advTm="3000"/>
     </mc:Fallback>
   </mc:AlternateContent>
@@ -4931,6 +4977,19 @@
               </a:rPr>
               <a:t>初实践</a:t>
             </a:r>
+            <a:endParaRPr kumimoji="1" lang="zh-CN" altLang="en-US" sz="3200" b="0" i="0" u="none" strike="noStrike" kern="1200" cap="none" spc="0" normalizeH="0" baseline="0" noProof="0" dirty="0">
+              <a:ln>
+                <a:noFill/>
+              </a:ln>
+              <a:solidFill>
+                <a:srgbClr val="44546A"/>
+              </a:solidFill>
+              <a:effectLst/>
+              <a:uLnTx/>
+              <a:uFillTx/>
+              <a:cs typeface="+mn-ea"/>
+              <a:sym typeface="+mn-lt"/>
+            </a:endParaRPr>
           </a:p>
         </p:txBody>
       </p:sp>
@@ -5036,6 +5095,19 @@
               </a:rPr>
               <a:t>廖中剑</a:t>
             </a:r>
+            <a:endParaRPr kumimoji="1" lang="zh-CN" altLang="en-US" sz="2000" b="0" i="0" u="none" strike="noStrike" kern="1200" cap="none" spc="0" normalizeH="0" baseline="0" noProof="0" dirty="0">
+              <a:ln>
+                <a:noFill/>
+              </a:ln>
+              <a:solidFill>
+                <a:srgbClr val="44546A"/>
+              </a:solidFill>
+              <a:effectLst/>
+              <a:uLnTx/>
+              <a:uFillTx/>
+              <a:cs typeface="+mn-ea"/>
+              <a:sym typeface="+mn-lt"/>
+            </a:endParaRPr>
           </a:p>
         </p:txBody>
       </p:sp>
@@ -5120,11 +5192,11 @@
   <p:clrMapOvr>
     <a:masterClrMapping/>
   </p:clrMapOvr>
-  <mc:AlternateContent xmlns:mc="http://schemas.openxmlformats.org/markup-compatibility/2006" xmlns:p14="http://schemas.microsoft.com/office/powerpoint/2010/main">
-    <mc:Choice Requires="p14">
+  <mc:AlternateContent xmlns:mc="http://schemas.openxmlformats.org/markup-compatibility/2006">
+    <mc:Choice xmlns:p14="http://schemas.microsoft.com/office/powerpoint/2010/main" Requires="p14">
       <p:transition p14:dur="0"/>
     </mc:Choice>
-    <mc:Fallback xmlns="">
+    <mc:Fallback>
       <p:transition/>
     </mc:Fallback>
   </mc:AlternateContent>
@@ -5547,6 +5619,19 @@
               </a:rPr>
               <a:t>概念</a:t>
             </a:r>
+            <a:endParaRPr kumimoji="1" lang="zh-CN" altLang="en-US" sz="2400" b="0" i="0" u="none" strike="noStrike" kern="1200" cap="none" spc="0" normalizeH="0" baseline="0" noProof="0" dirty="0">
+              <a:ln>
+                <a:noFill/>
+              </a:ln>
+              <a:solidFill>
+                <a:srgbClr val="44546A"/>
+              </a:solidFill>
+              <a:effectLst/>
+              <a:uLnTx/>
+              <a:uFillTx/>
+              <a:cs typeface="+mn-ea"/>
+              <a:sym typeface="+mn-lt"/>
+            </a:endParaRPr>
           </a:p>
         </p:txBody>
       </p:sp>
@@ -5758,15 +5843,18 @@
         </p:txBody>
       </p:sp>
     </p:spTree>
-    <p:extLst>
-      <p:ext uri="{BB962C8B-B14F-4D97-AF65-F5344CB8AC3E}">
-        <p14:creationId xmlns:p14="http://schemas.microsoft.com/office/powerpoint/2010/main" val="1384646239"/>
-      </p:ext>
-    </p:extLst>
   </p:cSld>
   <p:clrMapOvr>
     <a:masterClrMapping/>
   </p:clrMapOvr>
+  <mc:AlternateContent xmlns:mc="http://schemas.openxmlformats.org/markup-compatibility/2006">
+    <mc:Choice xmlns:p14="http://schemas.microsoft.com/office/powerpoint/2010/main" Requires="p14">
+      <p:transition spd="slow" p14:dur="2000" advTm="3000"/>
+    </mc:Choice>
+    <mc:Fallback>
+      <p:transition spd="slow" advTm="3000"/>
+    </mc:Fallback>
+  </mc:AlternateContent>
 </p:sld>
 </file>
 
@@ -5867,6 +5955,19 @@
               </a:rPr>
               <a:t>概念</a:t>
             </a:r>
+            <a:endParaRPr kumimoji="1" lang="zh-CN" altLang="en-US" sz="2400" b="0" i="0" u="none" strike="noStrike" kern="1200" cap="none" spc="0" normalizeH="0" baseline="0" noProof="0" dirty="0">
+              <a:ln>
+                <a:noFill/>
+              </a:ln>
+              <a:solidFill>
+                <a:srgbClr val="44546A"/>
+              </a:solidFill>
+              <a:effectLst/>
+              <a:uLnTx/>
+              <a:uFillTx/>
+              <a:cs typeface="+mn-ea"/>
+              <a:sym typeface="+mn-lt"/>
+            </a:endParaRPr>
           </a:p>
         </p:txBody>
       </p:sp>
@@ -5879,7 +5980,7 @@
           <p:nvPr/>
         </p:nvPicPr>
         <p:blipFill>
-          <a:blip r:embed="rId3"/>
+          <a:blip r:embed="rId1"/>
           <a:stretch>
             <a:fillRect/>
           </a:stretch>
@@ -5895,15 +5996,18 @@
         </p:spPr>
       </p:pic>
     </p:spTree>
-    <p:extLst>
-      <p:ext uri="{BB962C8B-B14F-4D97-AF65-F5344CB8AC3E}">
-        <p14:creationId xmlns:p14="http://schemas.microsoft.com/office/powerpoint/2010/main" val="600121169"/>
-      </p:ext>
-    </p:extLst>
   </p:cSld>
   <p:clrMapOvr>
     <a:masterClrMapping/>
   </p:clrMapOvr>
+  <mc:AlternateContent xmlns:mc="http://schemas.openxmlformats.org/markup-compatibility/2006">
+    <mc:Choice xmlns:p14="http://schemas.microsoft.com/office/powerpoint/2010/main" Requires="p14">
+      <p:transition spd="slow" p14:dur="2000" advTm="3000"/>
+    </mc:Choice>
+    <mc:Fallback>
+      <p:transition spd="slow" advTm="3000"/>
+    </mc:Fallback>
+  </mc:AlternateContent>
 </p:sld>
 </file>
 
@@ -6004,18 +6108,25 @@
               </a:rPr>
               <a:t>概念</a:t>
             </a:r>
+            <a:endParaRPr kumimoji="1" lang="zh-CN" altLang="en-US" sz="2400" b="0" i="0" u="none" strike="noStrike" kern="1200" cap="none" spc="0" normalizeH="0" baseline="0" noProof="0" dirty="0">
+              <a:ln>
+                <a:noFill/>
+              </a:ln>
+              <a:solidFill>
+                <a:srgbClr val="44546A"/>
+              </a:solidFill>
+              <a:effectLst/>
+              <a:uLnTx/>
+              <a:uFillTx/>
+              <a:cs typeface="+mn-ea"/>
+              <a:sym typeface="+mn-lt"/>
+            </a:endParaRPr>
           </a:p>
         </p:txBody>
       </p:sp>
       <p:sp>
         <p:nvSpPr>
-          <p:cNvPr id="3" name="文本框 2">
-            <a:extLst>
-              <a:ext uri="{FF2B5EF4-FFF2-40B4-BE49-F238E27FC236}">
-                <a16:creationId xmlns:a16="http://schemas.microsoft.com/office/drawing/2014/main" id="{8F464E24-9588-47AB-A4FA-A617CDEB1EED}"/>
-              </a:ext>
-            </a:extLst>
-          </p:cNvPr>
+          <p:cNvPr id="3" name="文本框 2"/>
           <p:cNvSpPr txBox="1"/>
           <p:nvPr/>
         </p:nvSpPr>
@@ -6141,13 +6252,7 @@
       </p:sp>
       <p:sp>
         <p:nvSpPr>
-          <p:cNvPr id="5" name="文本框 4">
-            <a:extLst>
-              <a:ext uri="{FF2B5EF4-FFF2-40B4-BE49-F238E27FC236}">
-                <a16:creationId xmlns:a16="http://schemas.microsoft.com/office/drawing/2014/main" id="{8B054326-B471-410F-AEB0-66748A971B0D}"/>
-              </a:ext>
-            </a:extLst>
-          </p:cNvPr>
+          <p:cNvPr id="5" name="文本框 4"/>
           <p:cNvSpPr txBox="1"/>
           <p:nvPr/>
         </p:nvSpPr>
@@ -6187,18 +6292,13 @@
               <a:rPr lang="zh-CN" altLang="en-US" dirty="0"/>
               <a:t>主要是传递那些信息</a:t>
             </a:r>
+            <a:endParaRPr lang="zh-CN" altLang="en-US" dirty="0"/>
           </a:p>
         </p:txBody>
       </p:sp>
       <p:sp>
         <p:nvSpPr>
-          <p:cNvPr id="6" name="圆角矩形 1">
-            <a:extLst>
-              <a:ext uri="{FF2B5EF4-FFF2-40B4-BE49-F238E27FC236}">
-                <a16:creationId xmlns:a16="http://schemas.microsoft.com/office/drawing/2014/main" id="{F15A5A52-0273-4219-A122-A79F9A89F03D}"/>
-              </a:ext>
-            </a:extLst>
-          </p:cNvPr>
+          <p:cNvPr id="6" name="圆角矩形 1"/>
           <p:cNvSpPr/>
           <p:nvPr/>
         </p:nvSpPr>
@@ -6290,13 +6390,7 @@
       </p:sp>
       <p:sp>
         <p:nvSpPr>
-          <p:cNvPr id="7" name="圆角矩形 1">
-            <a:extLst>
-              <a:ext uri="{FF2B5EF4-FFF2-40B4-BE49-F238E27FC236}">
-                <a16:creationId xmlns:a16="http://schemas.microsoft.com/office/drawing/2014/main" id="{0A8E270D-5739-48A3-9E1F-C0E7803E38CD}"/>
-              </a:ext>
-            </a:extLst>
-          </p:cNvPr>
+          <p:cNvPr id="7" name="圆角矩形 1"/>
           <p:cNvSpPr/>
           <p:nvPr/>
         </p:nvSpPr>
@@ -6366,20 +6460,16 @@
               </a:rPr>
               <a:t>（网络信息）</a:t>
             </a:r>
+            <a:endParaRPr lang="zh-CN" altLang="en-US" dirty="0">
+              <a:sym typeface="+mn-lt"/>
+            </a:endParaRPr>
           </a:p>
         </p:txBody>
       </p:sp>
       <p:cxnSp>
         <p:nvCxnSpPr>
-          <p:cNvPr id="9" name="直接箭头连接符 8">
-            <a:extLst>
-              <a:ext uri="{FF2B5EF4-FFF2-40B4-BE49-F238E27FC236}">
-                <a16:creationId xmlns:a16="http://schemas.microsoft.com/office/drawing/2014/main" id="{1C3B5856-E925-41FE-A8E2-49D09E6802BB}"/>
-              </a:ext>
-            </a:extLst>
-          </p:cNvPr>
+          <p:cNvPr id="9" name="直接箭头连接符 8"/>
           <p:cNvCxnSpPr>
-            <a:cxnSpLocks/>
             <a:stCxn id="6" idx="0"/>
           </p:cNvCxnSpPr>
           <p:nvPr/>
@@ -6413,15 +6503,8 @@
       </p:cxnSp>
       <p:cxnSp>
         <p:nvCxnSpPr>
-          <p:cNvPr id="11" name="直接箭头连接符 10">
-            <a:extLst>
-              <a:ext uri="{FF2B5EF4-FFF2-40B4-BE49-F238E27FC236}">
-                <a16:creationId xmlns:a16="http://schemas.microsoft.com/office/drawing/2014/main" id="{F9DD3EF3-9FEE-4542-90D2-640149388AC6}"/>
-              </a:ext>
-            </a:extLst>
-          </p:cNvPr>
+          <p:cNvPr id="11" name="直接箭头连接符 10"/>
           <p:cNvCxnSpPr>
-            <a:cxnSpLocks/>
             <a:stCxn id="7" idx="0"/>
           </p:cNvCxnSpPr>
           <p:nvPr/>
@@ -6455,13 +6538,7 @@
       </p:cxnSp>
       <p:sp>
         <p:nvSpPr>
-          <p:cNvPr id="16" name="圆角矩形 1">
-            <a:extLst>
-              <a:ext uri="{FF2B5EF4-FFF2-40B4-BE49-F238E27FC236}">
-                <a16:creationId xmlns:a16="http://schemas.microsoft.com/office/drawing/2014/main" id="{B883CF84-1553-4A01-B531-2A03401C1335}"/>
-              </a:ext>
-            </a:extLst>
-          </p:cNvPr>
+          <p:cNvPr id="16" name="圆角矩形 1"/>
           <p:cNvSpPr/>
           <p:nvPr/>
         </p:nvSpPr>
@@ -6535,20 +6612,26 @@
               </a:rPr>
               <a:t>其他你想传递</a:t>
             </a:r>
+            <a:endParaRPr kumimoji="1" lang="zh-CN" altLang="en-US" sz="1800" b="0" i="0" u="none" strike="noStrike" kern="1200" cap="none" spc="0" normalizeH="0" baseline="0" noProof="0" dirty="0">
+              <a:ln>
+                <a:noFill/>
+              </a:ln>
+              <a:solidFill>
+                <a:prstClr val="white"/>
+              </a:solidFill>
+              <a:effectLst/>
+              <a:uLnTx/>
+              <a:uFillTx/>
+              <a:cs typeface="+mn-ea"/>
+              <a:sym typeface="+mn-lt"/>
+            </a:endParaRPr>
           </a:p>
         </p:txBody>
       </p:sp>
       <p:cxnSp>
         <p:nvCxnSpPr>
-          <p:cNvPr id="17" name="直接箭头连接符 16">
-            <a:extLst>
-              <a:ext uri="{FF2B5EF4-FFF2-40B4-BE49-F238E27FC236}">
-                <a16:creationId xmlns:a16="http://schemas.microsoft.com/office/drawing/2014/main" id="{E1094768-543D-42B4-9B54-64682C830C8F}"/>
-              </a:ext>
-            </a:extLst>
-          </p:cNvPr>
+          <p:cNvPr id="17" name="直接箭头连接符 16"/>
           <p:cNvCxnSpPr>
-            <a:cxnSpLocks/>
             <a:stCxn id="16" idx="0"/>
           </p:cNvCxnSpPr>
           <p:nvPr/>
@@ -6581,15 +6664,18 @@
         </p:style>
       </p:cxnSp>
     </p:spTree>
-    <p:extLst>
-      <p:ext uri="{BB962C8B-B14F-4D97-AF65-F5344CB8AC3E}">
-        <p14:creationId xmlns:p14="http://schemas.microsoft.com/office/powerpoint/2010/main" val="576087619"/>
-      </p:ext>
-    </p:extLst>
   </p:cSld>
   <p:clrMapOvr>
     <a:masterClrMapping/>
   </p:clrMapOvr>
+  <mc:AlternateContent xmlns:mc="http://schemas.openxmlformats.org/markup-compatibility/2006">
+    <mc:Choice xmlns:p14="http://schemas.microsoft.com/office/powerpoint/2010/main" Requires="p14">
+      <p:transition spd="slow" p14:dur="2000" advTm="3000"/>
+    </mc:Choice>
+    <mc:Fallback>
+      <p:transition spd="slow" advTm="3000"/>
+    </mc:Fallback>
+  </mc:AlternateContent>
 </p:sld>
 </file>
 
@@ -6690,18 +6776,25 @@
               </a:rPr>
               <a:t>概念</a:t>
             </a:r>
+            <a:endParaRPr kumimoji="1" lang="zh-CN" altLang="en-US" sz="2400" b="0" i="0" u="none" strike="noStrike" kern="1200" cap="none" spc="0" normalizeH="0" baseline="0" noProof="0" dirty="0">
+              <a:ln>
+                <a:noFill/>
+              </a:ln>
+              <a:solidFill>
+                <a:srgbClr val="44546A"/>
+              </a:solidFill>
+              <a:effectLst/>
+              <a:uLnTx/>
+              <a:uFillTx/>
+              <a:cs typeface="+mn-ea"/>
+              <a:sym typeface="+mn-lt"/>
+            </a:endParaRPr>
           </a:p>
         </p:txBody>
       </p:sp>
       <p:sp>
         <p:nvSpPr>
-          <p:cNvPr id="4" name="圆角矩形 1">
-            <a:extLst>
-              <a:ext uri="{FF2B5EF4-FFF2-40B4-BE49-F238E27FC236}">
-                <a16:creationId xmlns:a16="http://schemas.microsoft.com/office/drawing/2014/main" id="{819BEBC4-105D-46EC-88E4-D523E929DD9A}"/>
-              </a:ext>
-            </a:extLst>
-          </p:cNvPr>
+          <p:cNvPr id="4" name="圆角矩形 1"/>
           <p:cNvSpPr/>
           <p:nvPr/>
         </p:nvSpPr>
@@ -6793,13 +6886,7 @@
       </p:sp>
       <p:sp>
         <p:nvSpPr>
-          <p:cNvPr id="3" name="文本框 2">
-            <a:extLst>
-              <a:ext uri="{FF2B5EF4-FFF2-40B4-BE49-F238E27FC236}">
-                <a16:creationId xmlns:a16="http://schemas.microsoft.com/office/drawing/2014/main" id="{ECCE4938-277D-436B-B393-0DDAB4B03ECD}"/>
-              </a:ext>
-            </a:extLst>
-          </p:cNvPr>
+          <p:cNvPr id="3" name="文本框 2"/>
           <p:cNvSpPr txBox="1"/>
           <p:nvPr/>
         </p:nvSpPr>
@@ -6826,7 +6913,7 @@
                   <a:srgbClr val="000000"/>
                 </a:solidFill>
                 <a:effectLst/>
-                <a:latin typeface="roboto" panose="02000000000000000000" pitchFamily="2" charset="0"/>
+                <a:latin typeface="roboto" panose="020B0604020202020204" pitchFamily="2" charset="0"/>
               </a:rPr>
               <a:t>会话描述协议</a:t>
             </a:r>
@@ -6836,7 +6923,7 @@
                   <a:srgbClr val="000000"/>
                 </a:solidFill>
                 <a:effectLst/>
-                <a:latin typeface="roboto" panose="02000000000000000000" pitchFamily="2" charset="0"/>
+                <a:latin typeface="roboto" panose="020B0604020202020204" pitchFamily="2" charset="0"/>
               </a:rPr>
               <a:t>（</a:t>
             </a:r>
@@ -6846,7 +6933,7 @@
                   <a:srgbClr val="000000"/>
                 </a:solidFill>
                 <a:effectLst/>
-                <a:latin typeface="roboto" panose="02000000000000000000" pitchFamily="2" charset="0"/>
+                <a:latin typeface="roboto" panose="020B0604020202020204" pitchFamily="2" charset="0"/>
               </a:rPr>
               <a:t>SDP</a:t>
             </a:r>
@@ -6856,22 +6943,23 @@
                   <a:srgbClr val="000000"/>
                 </a:solidFill>
                 <a:effectLst/>
-                <a:latin typeface="roboto" panose="02000000000000000000" pitchFamily="2" charset="0"/>
+                <a:latin typeface="roboto" panose="020B0604020202020204" pitchFamily="2" charset="0"/>
               </a:rPr>
               <a:t>），通俗点说：定义了信息中的字段意义</a:t>
             </a:r>
+            <a:endParaRPr lang="zh-CN" altLang="en-US" b="0" i="0" dirty="0">
+              <a:solidFill>
+                <a:srgbClr val="000000"/>
+              </a:solidFill>
+              <a:effectLst/>
+              <a:latin typeface="roboto" panose="020B0604020202020204" pitchFamily="2" charset="0"/>
+            </a:endParaRPr>
           </a:p>
         </p:txBody>
       </p:sp>
       <p:sp>
         <p:nvSpPr>
-          <p:cNvPr id="7" name="文本框 6">
-            <a:extLst>
-              <a:ext uri="{FF2B5EF4-FFF2-40B4-BE49-F238E27FC236}">
-                <a16:creationId xmlns:a16="http://schemas.microsoft.com/office/drawing/2014/main" id="{8CB6CEDB-7230-4508-9A2E-25EAB1D9CDA9}"/>
-              </a:ext>
-            </a:extLst>
-          </p:cNvPr>
+          <p:cNvPr id="7" name="文本框 6"/>
           <p:cNvSpPr txBox="1"/>
           <p:nvPr/>
         </p:nvSpPr>
@@ -6897,20 +6985,14 @@
       </p:sp>
       <p:pic>
         <p:nvPicPr>
-          <p:cNvPr id="12" name="图片 11">
-            <a:extLst>
-              <a:ext uri="{FF2B5EF4-FFF2-40B4-BE49-F238E27FC236}">
-                <a16:creationId xmlns:a16="http://schemas.microsoft.com/office/drawing/2014/main" id="{68B1C1CD-0368-4FC9-80B8-05539F12FE00}"/>
-              </a:ext>
-            </a:extLst>
-          </p:cNvPr>
+          <p:cNvPr id="12" name="图片 11"/>
           <p:cNvPicPr>
             <a:picLocks noChangeAspect="1"/>
           </p:cNvPicPr>
           <p:nvPr/>
         </p:nvPicPr>
         <p:blipFill>
-          <a:blip r:embed="rId3"/>
+          <a:blip r:embed="rId1"/>
           <a:stretch>
             <a:fillRect/>
           </a:stretch>
@@ -6927,20 +7009,14 @@
       </p:pic>
       <p:pic>
         <p:nvPicPr>
-          <p:cNvPr id="16" name="图片 15">
-            <a:extLst>
-              <a:ext uri="{FF2B5EF4-FFF2-40B4-BE49-F238E27FC236}">
-                <a16:creationId xmlns:a16="http://schemas.microsoft.com/office/drawing/2014/main" id="{3799C2A7-A86D-47C9-9421-D41DC66AFBEE}"/>
-              </a:ext>
-            </a:extLst>
-          </p:cNvPr>
+          <p:cNvPr id="16" name="图片 15"/>
           <p:cNvPicPr>
             <a:picLocks noChangeAspect="1"/>
           </p:cNvPicPr>
           <p:nvPr/>
         </p:nvPicPr>
         <p:blipFill>
-          <a:blip r:embed="rId4"/>
+          <a:blip r:embed="rId2"/>
           <a:stretch>
             <a:fillRect/>
           </a:stretch>
@@ -6956,15 +7032,18 @@
         </p:spPr>
       </p:pic>
     </p:spTree>
-    <p:extLst>
-      <p:ext uri="{BB962C8B-B14F-4D97-AF65-F5344CB8AC3E}">
-        <p14:creationId xmlns:p14="http://schemas.microsoft.com/office/powerpoint/2010/main" val="295130049"/>
-      </p:ext>
-    </p:extLst>
   </p:cSld>
   <p:clrMapOvr>
     <a:masterClrMapping/>
   </p:clrMapOvr>
+  <mc:AlternateContent xmlns:mc="http://schemas.openxmlformats.org/markup-compatibility/2006">
+    <mc:Choice xmlns:p14="http://schemas.microsoft.com/office/powerpoint/2010/main" Requires="p14">
+      <p:transition spd="slow" p14:dur="2000" advTm="3000"/>
+    </mc:Choice>
+    <mc:Fallback>
+      <p:transition spd="slow" advTm="3000"/>
+    </mc:Fallback>
+  </mc:AlternateContent>
 </p:sld>
 </file>
 
@@ -7065,18 +7144,25 @@
               </a:rPr>
               <a:t>概念</a:t>
             </a:r>
+            <a:endParaRPr kumimoji="1" lang="zh-CN" altLang="en-US" sz="2400" b="0" i="0" u="none" strike="noStrike" kern="1200" cap="none" spc="0" normalizeH="0" baseline="0" noProof="0" dirty="0">
+              <a:ln>
+                <a:noFill/>
+              </a:ln>
+              <a:solidFill>
+                <a:srgbClr val="44546A"/>
+              </a:solidFill>
+              <a:effectLst/>
+              <a:uLnTx/>
+              <a:uFillTx/>
+              <a:cs typeface="+mn-ea"/>
+              <a:sym typeface="+mn-lt"/>
+            </a:endParaRPr>
           </a:p>
         </p:txBody>
       </p:sp>
       <p:sp>
         <p:nvSpPr>
-          <p:cNvPr id="4" name="圆角矩形 1">
-            <a:extLst>
-              <a:ext uri="{FF2B5EF4-FFF2-40B4-BE49-F238E27FC236}">
-                <a16:creationId xmlns:a16="http://schemas.microsoft.com/office/drawing/2014/main" id="{819BEBC4-105D-46EC-88E4-D523E929DD9A}"/>
-              </a:ext>
-            </a:extLst>
-          </p:cNvPr>
+          <p:cNvPr id="4" name="圆角矩形 1"/>
           <p:cNvSpPr/>
           <p:nvPr/>
         </p:nvSpPr>
@@ -7158,13 +7244,7 @@
       </p:sp>
       <p:sp>
         <p:nvSpPr>
-          <p:cNvPr id="7" name="文本框 6">
-            <a:extLst>
-              <a:ext uri="{FF2B5EF4-FFF2-40B4-BE49-F238E27FC236}">
-                <a16:creationId xmlns:a16="http://schemas.microsoft.com/office/drawing/2014/main" id="{8CB6CEDB-7230-4508-9A2E-25EAB1D9CDA9}"/>
-              </a:ext>
-            </a:extLst>
-          </p:cNvPr>
+          <p:cNvPr id="7" name="文本框 6"/>
           <p:cNvSpPr txBox="1"/>
           <p:nvPr/>
         </p:nvSpPr>
@@ -7208,23 +7288,202 @@
               <a:rPr lang="zh-CN" altLang="en-US" dirty="0"/>
               <a:t>地址、端口啥的、还有一些优先级</a:t>
             </a:r>
+            <a:endParaRPr lang="zh-CN" altLang="en-US" dirty="0"/>
           </a:p>
         </p:txBody>
       </p:sp>
     </p:spTree>
-    <p:extLst>
-      <p:ext uri="{BB962C8B-B14F-4D97-AF65-F5344CB8AC3E}">
-        <p14:creationId xmlns:p14="http://schemas.microsoft.com/office/powerpoint/2010/main" val="874623184"/>
-      </p:ext>
-    </p:extLst>
   </p:cSld>
   <p:clrMapOvr>
     <a:masterClrMapping/>
   </p:clrMapOvr>
+  <mc:AlternateContent xmlns:mc="http://schemas.openxmlformats.org/markup-compatibility/2006">
+    <mc:Choice xmlns:p14="http://schemas.microsoft.com/office/powerpoint/2010/main" Requires="p14">
+      <p:transition spd="slow" p14:dur="2000" advTm="3000"/>
+    </mc:Choice>
+    <mc:Fallback>
+      <p:transition spd="slow" advTm="3000"/>
+    </mc:Fallback>
+  </mc:AlternateContent>
 </p:sld>
 </file>
 
 <file path=ppt/slides/slide15.xml><?xml version="1.0" encoding="utf-8"?>
+<p:sld xmlns:a="http://schemas.openxmlformats.org/drawingml/2006/main" xmlns:r="http://schemas.openxmlformats.org/officeDocument/2006/relationships" xmlns:p="http://schemas.openxmlformats.org/presentationml/2006/main">
+  <p:cSld>
+    <p:spTree>
+      <p:nvGrpSpPr>
+        <p:cNvPr id="1" name=""/>
+        <p:cNvGrpSpPr/>
+        <p:nvPr/>
+      </p:nvGrpSpPr>
+      <p:grpSpPr>
+        <a:xfrm>
+          <a:off x="0" y="0"/>
+          <a:ext cx="0" cy="0"/>
+          <a:chOff x="0" y="0"/>
+          <a:chExt cx="0" cy="0"/>
+        </a:xfrm>
+      </p:grpSpPr>
+      <p:sp>
+        <p:nvSpPr>
+          <p:cNvPr id="2" name="文本框 1"/>
+          <p:cNvSpPr txBox="1"/>
+          <p:nvPr/>
+        </p:nvSpPr>
+        <p:spPr>
+          <a:xfrm>
+            <a:off x="1151904" y="237507"/>
+            <a:ext cx="7151370" cy="460375"/>
+          </a:xfrm>
+          <a:prstGeom prst="rect">
+            <a:avLst/>
+          </a:prstGeom>
+          <a:noFill/>
+        </p:spPr>
+        <p:txBody>
+          <a:bodyPr wrap="none" rtlCol="0">
+            <a:spAutoFit/>
+          </a:bodyPr>
+          <a:lstStyle/>
+          <a:p>
+            <a:pPr marL="0" marR="0" lvl="0" indent="0" algn="l" defTabSz="914400" rtl="0" eaLnBrk="1" fontAlgn="auto" latinLnBrk="0" hangingPunct="1">
+              <a:lnSpc>
+                <a:spcPct val="100000"/>
+              </a:lnSpc>
+              <a:spcBef>
+                <a:spcPts val="0"/>
+              </a:spcBef>
+              <a:spcAft>
+                <a:spcPts val="0"/>
+              </a:spcAft>
+              <a:buClrTx/>
+              <a:buSzTx/>
+              <a:buFontTx/>
+              <a:buNone/>
+              <a:defRPr/>
+            </a:pPr>
+            <a:r>
+              <a:rPr kumimoji="1" lang="en-US" altLang="zh-CN" sz="2400" b="0" i="0" u="none" strike="noStrike" kern="1200" cap="none" spc="0" normalizeH="0" baseline="0" noProof="0" dirty="0">
+                <a:ln>
+                  <a:noFill/>
+                </a:ln>
+                <a:solidFill>
+                  <a:srgbClr val="44546A"/>
+                </a:solidFill>
+                <a:effectLst/>
+                <a:uLnTx/>
+                <a:uFillTx/>
+                <a:cs typeface="+mn-ea"/>
+                <a:sym typeface="+mn-lt"/>
+              </a:rPr>
+              <a:t>WebRTC</a:t>
+            </a:r>
+            <a:r>
+              <a:rPr kumimoji="1" lang="zh-CN" altLang="en-US" sz="2400" dirty="0">
+                <a:solidFill>
+                  <a:srgbClr val="44546A"/>
+                </a:solidFill>
+                <a:cs typeface="+mn-ea"/>
+                <a:sym typeface="+mn-lt"/>
+              </a:rPr>
+              <a:t> 信令传递</a:t>
+            </a:r>
+            <a:r>
+              <a:rPr kumimoji="1" lang="en-US" altLang="zh-CN" sz="2400" dirty="0">
+                <a:solidFill>
+                  <a:srgbClr val="44546A"/>
+                </a:solidFill>
+                <a:cs typeface="+mn-ea"/>
+                <a:sym typeface="+mn-lt"/>
+              </a:rPr>
+              <a:t> - JSEP协议</a:t>
+            </a:r>
+            <a:r>
+              <a:rPr kumimoji="1" lang="zh-CN" altLang="en-US" sz="2400" dirty="0">
+                <a:solidFill>
+                  <a:srgbClr val="44546A"/>
+                </a:solidFill>
+                <a:cs typeface="+mn-ea"/>
+                <a:sym typeface="+mn-lt"/>
+              </a:rPr>
+              <a:t>：</a:t>
+            </a:r>
+            <a:r>
+              <a:rPr kumimoji="1" lang="en-US" altLang="zh-CN" sz="2400" dirty="0">
+                <a:solidFill>
+                  <a:srgbClr val="44546A"/>
+                </a:solidFill>
+                <a:cs typeface="+mn-ea"/>
+                <a:sym typeface="+mn-lt"/>
+              </a:rPr>
+              <a:t>Offer/Answer</a:t>
+            </a:r>
+            <a:r>
+              <a:rPr kumimoji="1" lang="zh-CN" altLang="en-US" sz="2400" dirty="0">
+                <a:solidFill>
+                  <a:srgbClr val="44546A"/>
+                </a:solidFill>
+                <a:cs typeface="+mn-ea"/>
+                <a:sym typeface="+mn-lt"/>
+              </a:rPr>
+              <a:t>模型</a:t>
+            </a:r>
+            <a:endParaRPr kumimoji="1" lang="zh-CN" altLang="en-US" sz="2400" dirty="0">
+              <a:solidFill>
+                <a:srgbClr val="44546A"/>
+              </a:solidFill>
+              <a:cs typeface="+mn-ea"/>
+              <a:sym typeface="+mn-lt"/>
+            </a:endParaRPr>
+          </a:p>
+        </p:txBody>
+      </p:sp>
+      <p:pic>
+        <p:nvPicPr>
+          <p:cNvPr id="3" name="图片 2"/>
+          <p:cNvPicPr>
+            <a:picLocks noChangeAspect="1"/>
+          </p:cNvPicPr>
+          <p:nvPr>
+            <p:custDataLst>
+              <p:tags r:id="rId1"/>
+            </p:custDataLst>
+          </p:nvPr>
+        </p:nvPicPr>
+        <p:blipFill>
+          <a:blip r:embed="rId2"/>
+          <a:stretch>
+            <a:fillRect/>
+          </a:stretch>
+        </p:blipFill>
+        <p:spPr>
+          <a:xfrm>
+            <a:off x="1251585" y="697865"/>
+            <a:ext cx="9577070" cy="5977890"/>
+          </a:xfrm>
+          <a:prstGeom prst="rect">
+            <a:avLst/>
+          </a:prstGeom>
+        </p:spPr>
+      </p:pic>
+    </p:spTree>
+  </p:cSld>
+  <p:clrMapOvr>
+    <a:masterClrMapping/>
+  </p:clrMapOvr>
+  <mc:AlternateContent xmlns:mc="http://schemas.openxmlformats.org/markup-compatibility/2006">
+    <mc:Choice xmlns:p14="http://schemas.microsoft.com/office/powerpoint/2010/main" Requires="p14">
+      <p:transition spd="slow" p14:dur="2000" advTm="3000"/>
+    </mc:Choice>
+    <mc:Fallback>
+      <p:transition spd="slow" advTm="3000"/>
+    </mc:Fallback>
+  </mc:AlternateContent>
+</p:sld>
+</file>
+
+<file path=ppt/slides/slide16.xml><?xml version="1.0" encoding="utf-8"?>
 <p:sld xmlns:a="http://schemas.openxmlformats.org/drawingml/2006/main" xmlns:r="http://schemas.openxmlformats.org/officeDocument/2006/relationships" xmlns:p="http://schemas.openxmlformats.org/presentationml/2006/main">
   <p:cSld>
     <p:spTree>
@@ -7333,20 +7592,298 @@
       </p:sp>
       <p:sp>
         <p:nvSpPr>
-          <p:cNvPr id="7" name="文本框 6">
-            <a:extLst>
-              <a:ext uri="{FF2B5EF4-FFF2-40B4-BE49-F238E27FC236}">
-                <a16:creationId xmlns:a16="http://schemas.microsoft.com/office/drawing/2014/main" id="{8CB6CEDB-7230-4508-9A2E-25EAB1D9CDA9}"/>
-              </a:ext>
-            </a:extLst>
-          </p:cNvPr>
+          <p:cNvPr id="3" name="椭圆 2"/>
+          <p:cNvSpPr/>
+          <p:nvPr/>
+        </p:nvSpPr>
+        <p:spPr>
+          <a:xfrm>
+            <a:off x="490855" y="3144520"/>
+            <a:ext cx="2495550" cy="984250"/>
+          </a:xfrm>
+          <a:prstGeom prst="ellipse">
+            <a:avLst/>
+          </a:prstGeom>
+        </p:spPr>
+        <p:style>
+          <a:lnRef idx="2">
+            <a:schemeClr val="accent1">
+              <a:shade val="50000"/>
+            </a:schemeClr>
+          </a:lnRef>
+          <a:fillRef idx="1">
+            <a:schemeClr val="accent1"/>
+          </a:fillRef>
+          <a:effectRef idx="0">
+            <a:schemeClr val="accent1"/>
+          </a:effectRef>
+          <a:fontRef idx="minor">
+            <a:schemeClr val="lt1"/>
+          </a:fontRef>
+        </p:style>
+        <p:txBody>
+          <a:bodyPr rtlCol="0" anchor="ctr"/>
+          <a:p>
+            <a:pPr algn="ctr"/>
+            <a:r>
+              <a:rPr lang="en-US" altLang="zh-CN"/>
+              <a:t>getUserM</a:t>
+            </a:r>
+            <a:r>
+              <a:rPr lang="en-US" altLang="zh-CN"/>
+              <a:t>edia</a:t>
+            </a:r>
+            <a:endParaRPr lang="en-US" altLang="zh-CN"/>
+          </a:p>
+        </p:txBody>
+      </p:sp>
+      <p:sp>
+        <p:nvSpPr>
+          <p:cNvPr id="4" name="椭圆 3"/>
+          <p:cNvSpPr/>
+          <p:nvPr/>
+        </p:nvSpPr>
+        <p:spPr>
+          <a:xfrm>
+            <a:off x="8215630" y="3961765"/>
+            <a:ext cx="3093085" cy="1075690"/>
+          </a:xfrm>
+          <a:prstGeom prst="ellipse">
+            <a:avLst/>
+          </a:prstGeom>
+        </p:spPr>
+        <p:style>
+          <a:lnRef idx="2">
+            <a:schemeClr val="accent1">
+              <a:shade val="50000"/>
+            </a:schemeClr>
+          </a:lnRef>
+          <a:fillRef idx="1">
+            <a:schemeClr val="accent1"/>
+          </a:fillRef>
+          <a:effectRef idx="0">
+            <a:schemeClr val="accent1"/>
+          </a:effectRef>
+          <a:fontRef idx="minor">
+            <a:schemeClr val="lt1"/>
+          </a:fontRef>
+        </p:style>
+        <p:txBody>
+          <a:bodyPr rtlCol="0" anchor="ctr"/>
+          <a:p>
+            <a:pPr algn="ctr"/>
+            <a:r>
+              <a:rPr lang="zh-CN" altLang="en-US"/>
+              <a:t>RTCIceCandidate</a:t>
+            </a:r>
+            <a:endParaRPr lang="zh-CN" altLang="en-US"/>
+          </a:p>
+        </p:txBody>
+      </p:sp>
+      <p:sp>
+        <p:nvSpPr>
+          <p:cNvPr id="5" name="椭圆 4"/>
+          <p:cNvSpPr/>
+          <p:nvPr/>
+        </p:nvSpPr>
+        <p:spPr>
+          <a:xfrm>
+            <a:off x="4066540" y="1749425"/>
+            <a:ext cx="3417570" cy="1126490"/>
+          </a:xfrm>
+          <a:prstGeom prst="ellipse">
+            <a:avLst/>
+          </a:prstGeom>
+        </p:spPr>
+        <p:style>
+          <a:lnRef idx="2">
+            <a:schemeClr val="accent1">
+              <a:shade val="50000"/>
+            </a:schemeClr>
+          </a:lnRef>
+          <a:fillRef idx="1">
+            <a:schemeClr val="accent1"/>
+          </a:fillRef>
+          <a:effectRef idx="0">
+            <a:schemeClr val="accent1"/>
+          </a:effectRef>
+          <a:fontRef idx="minor">
+            <a:schemeClr val="lt1"/>
+          </a:fontRef>
+        </p:style>
+        <p:txBody>
+          <a:bodyPr rtlCol="0" anchor="ctr"/>
+          <a:p>
+            <a:pPr algn="ctr"/>
+            <a:r>
+              <a:rPr lang="en-US" altLang="zh-CN"/>
+              <a:t>RTCPeerConnection</a:t>
+            </a:r>
+            <a:endParaRPr lang="en-US" altLang="zh-CN"/>
+          </a:p>
+        </p:txBody>
+      </p:sp>
+      <p:sp>
+        <p:nvSpPr>
+          <p:cNvPr id="6" name="椭圆 5"/>
+          <p:cNvSpPr/>
+          <p:nvPr/>
+        </p:nvSpPr>
+        <p:spPr>
+          <a:xfrm>
+            <a:off x="3559175" y="4682490"/>
+            <a:ext cx="3843020" cy="1126490"/>
+          </a:xfrm>
+          <a:prstGeom prst="ellipse">
+            <a:avLst/>
+          </a:prstGeom>
+        </p:spPr>
+        <p:style>
+          <a:lnRef idx="2">
+            <a:schemeClr val="accent1">
+              <a:shade val="50000"/>
+            </a:schemeClr>
+          </a:lnRef>
+          <a:fillRef idx="1">
+            <a:schemeClr val="accent1"/>
+          </a:fillRef>
+          <a:effectRef idx="0">
+            <a:schemeClr val="accent1"/>
+          </a:effectRef>
+          <a:fontRef idx="minor">
+            <a:schemeClr val="lt1"/>
+          </a:fontRef>
+        </p:style>
+        <p:txBody>
+          <a:bodyPr rtlCol="0" anchor="ctr"/>
+          <a:p>
+            <a:pPr algn="ctr"/>
+            <a:r>
+              <a:rPr lang="en-US" altLang="zh-CN"/>
+              <a:t>RTCSessionDescription</a:t>
+            </a:r>
+            <a:endParaRPr lang="en-US" altLang="zh-CN"/>
+          </a:p>
+        </p:txBody>
+      </p:sp>
+      <p:cxnSp>
+        <p:nvCxnSpPr>
+          <p:cNvPr id="8" name="直接箭头连接符 7"/>
+          <p:cNvCxnSpPr>
+            <a:stCxn id="3" idx="7"/>
+            <a:endCxn id="5" idx="2"/>
+          </p:cNvCxnSpPr>
+          <p:nvPr/>
+        </p:nvCxnSpPr>
+        <p:spPr>
+          <a:xfrm flipV="1">
+            <a:off x="2620645" y="2312670"/>
+            <a:ext cx="1445895" cy="975995"/>
+          </a:xfrm>
+          <a:prstGeom prst="straightConnector1">
+            <a:avLst/>
+          </a:prstGeom>
+          <a:ln>
+            <a:tailEnd type="arrow"/>
+          </a:ln>
+        </p:spPr>
+        <p:style>
+          <a:lnRef idx="1">
+            <a:schemeClr val="accent1"/>
+          </a:lnRef>
+          <a:fillRef idx="0">
+            <a:schemeClr val="accent1"/>
+          </a:fillRef>
+          <a:effectRef idx="0">
+            <a:schemeClr val="accent1"/>
+          </a:effectRef>
+          <a:fontRef idx="minor">
+            <a:schemeClr val="tx1"/>
+          </a:fontRef>
+        </p:style>
+      </p:cxnSp>
+      <p:cxnSp>
+        <p:nvCxnSpPr>
+          <p:cNvPr id="9" name="直接箭头连接符 8"/>
+          <p:cNvCxnSpPr>
+            <a:stCxn id="6" idx="0"/>
+            <a:endCxn id="5" idx="4"/>
+          </p:cNvCxnSpPr>
+          <p:nvPr/>
+        </p:nvCxnSpPr>
+        <p:spPr>
+          <a:xfrm flipV="1">
+            <a:off x="5480685" y="2875915"/>
+            <a:ext cx="294640" cy="1806575"/>
+          </a:xfrm>
+          <a:prstGeom prst="straightConnector1">
+            <a:avLst/>
+          </a:prstGeom>
+          <a:ln>
+            <a:tailEnd type="arrow"/>
+          </a:ln>
+        </p:spPr>
+        <p:style>
+          <a:lnRef idx="1">
+            <a:schemeClr val="accent1"/>
+          </a:lnRef>
+          <a:fillRef idx="0">
+            <a:schemeClr val="accent1"/>
+          </a:fillRef>
+          <a:effectRef idx="0">
+            <a:schemeClr val="accent1"/>
+          </a:effectRef>
+          <a:fontRef idx="minor">
+            <a:schemeClr val="tx1"/>
+          </a:fontRef>
+        </p:style>
+      </p:cxnSp>
+      <p:cxnSp>
+        <p:nvCxnSpPr>
+          <p:cNvPr id="10" name="直接箭头连接符 9"/>
+          <p:cNvCxnSpPr>
+            <a:stCxn id="4" idx="0"/>
+            <a:endCxn id="5" idx="6"/>
+          </p:cNvCxnSpPr>
+          <p:nvPr/>
+        </p:nvCxnSpPr>
+        <p:spPr>
+          <a:xfrm flipH="1" flipV="1">
+            <a:off x="7484110" y="2312670"/>
+            <a:ext cx="2278380" cy="1649095"/>
+          </a:xfrm>
+          <a:prstGeom prst="straightConnector1">
+            <a:avLst/>
+          </a:prstGeom>
+          <a:ln>
+            <a:tailEnd type="arrow"/>
+          </a:ln>
+        </p:spPr>
+        <p:style>
+          <a:lnRef idx="1">
+            <a:schemeClr val="accent1"/>
+          </a:lnRef>
+          <a:fillRef idx="0">
+            <a:schemeClr val="accent1"/>
+          </a:fillRef>
+          <a:effectRef idx="0">
+            <a:schemeClr val="accent1"/>
+          </a:effectRef>
+          <a:fontRef idx="minor">
+            <a:schemeClr val="tx1"/>
+          </a:fontRef>
+        </p:style>
+      </p:cxnSp>
+      <p:sp>
+        <p:nvSpPr>
+          <p:cNvPr id="11" name="文本框 10"/>
           <p:cNvSpPr txBox="1"/>
           <p:nvPr/>
         </p:nvSpPr>
         <p:spPr>
           <a:xfrm>
-            <a:off x="896815" y="1951672"/>
-            <a:ext cx="7156939" cy="1415772"/>
+            <a:off x="2698115" y="2616200"/>
+            <a:ext cx="927100" cy="368300"/>
           </a:xfrm>
           <a:prstGeom prst="rect">
             <a:avLst/>
@@ -7354,196 +7891,101 @@
           <a:noFill/>
         </p:spPr>
         <p:txBody>
-          <a:bodyPr wrap="square" rtlCol="0">
+          <a:bodyPr wrap="none" rtlCol="0">
             <a:spAutoFit/>
           </a:bodyPr>
-          <a:lstStyle/>
-          <a:p>
-            <a:r>
-              <a:rPr lang="en-US" altLang="zh-CN" dirty="0"/>
-              <a:t>1</a:t>
-            </a:r>
-            <a:r>
-              <a:rPr lang="zh-CN" altLang="en-US" dirty="0"/>
-              <a:t>、主要的</a:t>
-            </a:r>
-            <a:r>
-              <a:rPr lang="en-US" altLang="zh-CN" dirty="0"/>
-              <a:t>API</a:t>
-            </a:r>
-            <a:r>
-              <a:rPr lang="zh-CN" altLang="en-US" dirty="0"/>
-              <a:t>有那些</a:t>
-            </a:r>
-            <a:endParaRPr lang="en-US" altLang="zh-CN" dirty="0"/>
-          </a:p>
-          <a:p>
-            <a:pPr marL="285750" indent="-285750" algn="l">
-              <a:buFont typeface="Wingdings" panose="05000000000000000000" pitchFamily="2" charset="2"/>
-              <a:buChar char="u"/>
-            </a:pPr>
-            <a:r>
-              <a:rPr lang="en-US" altLang="zh-CN" b="0" i="0" dirty="0">
-                <a:solidFill>
-                  <a:srgbClr val="333333"/>
-                </a:solidFill>
-                <a:effectLst/>
-                <a:latin typeface="-apple-system"/>
-              </a:rPr>
-              <a:t>  </a:t>
-            </a:r>
-            <a:r>
-              <a:rPr lang="en-US" altLang="zh-CN" sz="1600" b="0" i="0" dirty="0" err="1">
-                <a:solidFill>
-                  <a:srgbClr val="333333"/>
-                </a:solidFill>
-                <a:effectLst/>
-                <a:latin typeface="-apple-system"/>
-              </a:rPr>
-              <a:t>getUserMedia</a:t>
-            </a:r>
-            <a:r>
-              <a:rPr lang="en-US" altLang="zh-CN" sz="1600" b="0" i="0" dirty="0">
-                <a:solidFill>
-                  <a:srgbClr val="333333"/>
-                </a:solidFill>
-                <a:effectLst/>
-                <a:latin typeface="-apple-system"/>
-              </a:rPr>
-              <a:t> - </a:t>
-            </a:r>
-            <a:r>
-              <a:rPr lang="zh-CN" altLang="en-US" sz="1600" b="0" i="0" dirty="0">
-                <a:solidFill>
-                  <a:srgbClr val="333333"/>
-                </a:solidFill>
-                <a:effectLst/>
-                <a:latin typeface="-apple-system"/>
-              </a:rPr>
-              <a:t>采集本地音频和视频流</a:t>
-            </a:r>
-          </a:p>
-          <a:p>
-            <a:pPr marL="285750" indent="-285750" algn="l">
-              <a:buFont typeface="Wingdings" panose="05000000000000000000" pitchFamily="2" charset="2"/>
-              <a:buChar char="u"/>
-            </a:pPr>
-            <a:r>
-              <a:rPr lang="en-US" altLang="zh-CN" sz="1600" b="0" i="0" dirty="0">
-                <a:solidFill>
-                  <a:srgbClr val="333333"/>
-                </a:solidFill>
-                <a:effectLst/>
-                <a:latin typeface="-apple-system"/>
-              </a:rPr>
-              <a:t>  </a:t>
-            </a:r>
-            <a:r>
-              <a:rPr lang="en-US" altLang="zh-CN" sz="1600" b="0" i="0" dirty="0" err="1">
-                <a:solidFill>
-                  <a:srgbClr val="333333"/>
-                </a:solidFill>
-                <a:effectLst/>
-                <a:latin typeface="-apple-system"/>
-              </a:rPr>
-              <a:t>RTCPeerConnection</a:t>
-            </a:r>
-            <a:r>
-              <a:rPr lang="en-US" altLang="zh-CN" sz="1600" b="0" i="0" dirty="0">
-                <a:solidFill>
-                  <a:srgbClr val="333333"/>
-                </a:solidFill>
-                <a:effectLst/>
-                <a:latin typeface="-apple-system"/>
-              </a:rPr>
-              <a:t> - </a:t>
-            </a:r>
-            <a:r>
-              <a:rPr lang="zh-CN" altLang="en-US" sz="1600" b="0" i="0" dirty="0">
-                <a:solidFill>
-                  <a:srgbClr val="333333"/>
-                </a:solidFill>
-                <a:effectLst/>
-                <a:latin typeface="-apple-system"/>
-              </a:rPr>
-              <a:t>用来创建对端连接并传输音视频的</a:t>
-            </a:r>
-            <a:r>
-              <a:rPr lang="en-US" altLang="zh-CN" sz="1600" b="0" i="0" dirty="0">
-                <a:solidFill>
-                  <a:srgbClr val="333333"/>
-                </a:solidFill>
-                <a:effectLst/>
-                <a:latin typeface="-apple-system"/>
-              </a:rPr>
-              <a:t>API</a:t>
-            </a:r>
-          </a:p>
-          <a:p>
-            <a:pPr marL="285750" indent="-285750" algn="l">
-              <a:buFont typeface="Wingdings" panose="05000000000000000000" pitchFamily="2" charset="2"/>
-              <a:buChar char="u"/>
-            </a:pPr>
-            <a:r>
-              <a:rPr lang="en-US" altLang="zh-CN" sz="1600" b="0" i="0" dirty="0">
-                <a:solidFill>
-                  <a:srgbClr val="333333"/>
-                </a:solidFill>
-                <a:effectLst/>
-                <a:latin typeface="-apple-system"/>
-              </a:rPr>
-              <a:t>  </a:t>
-            </a:r>
-            <a:r>
-              <a:rPr lang="en-US" altLang="zh-CN" sz="1600" b="0" i="0" dirty="0" err="1">
-                <a:solidFill>
-                  <a:srgbClr val="333333"/>
-                </a:solidFill>
-                <a:effectLst/>
-                <a:latin typeface="-apple-system"/>
-              </a:rPr>
-              <a:t>RTCDataChannel</a:t>
-            </a:r>
-            <a:r>
-              <a:rPr lang="en-US" altLang="zh-CN" sz="1600" b="0" i="0" dirty="0">
-                <a:solidFill>
-                  <a:srgbClr val="333333"/>
-                </a:solidFill>
-                <a:effectLst/>
-                <a:latin typeface="-apple-system"/>
-              </a:rPr>
-              <a:t> - </a:t>
-            </a:r>
-            <a:r>
-              <a:rPr lang="zh-CN" altLang="en-US" sz="1600" b="0" i="0" dirty="0">
-                <a:solidFill>
-                  <a:srgbClr val="333333"/>
-                </a:solidFill>
-                <a:effectLst/>
-                <a:latin typeface="-apple-system"/>
-              </a:rPr>
-              <a:t>用于传输二进制数据。</a:t>
-            </a:r>
-          </a:p>
-          <a:p>
-            <a:endParaRPr lang="zh-CN" altLang="en-US" dirty="0"/>
+          <a:p>
+            <a:r>
+              <a:rPr lang="en-US" altLang="zh-CN"/>
+              <a:t>stream</a:t>
+            </a:r>
+            <a:endParaRPr lang="en-US" altLang="zh-CN"/>
+          </a:p>
+        </p:txBody>
+      </p:sp>
+      <p:sp>
+        <p:nvSpPr>
+          <p:cNvPr id="12" name="文本框 11"/>
+          <p:cNvSpPr txBox="1"/>
+          <p:nvPr/>
+        </p:nvSpPr>
+        <p:spPr>
+          <a:xfrm>
+            <a:off x="5267325" y="3666490"/>
+            <a:ext cx="868680" cy="368300"/>
+          </a:xfrm>
+          <a:prstGeom prst="rect">
+            <a:avLst/>
+          </a:prstGeom>
+          <a:noFill/>
+        </p:spPr>
+        <p:txBody>
+          <a:bodyPr wrap="none" rtlCol="0">
+            <a:spAutoFit/>
+          </a:bodyPr>
+          <a:p>
+            <a:r>
+              <a:rPr lang="zh-CN" altLang="en-US"/>
+              <a:t>子</a:t>
+            </a:r>
+            <a:r>
+              <a:rPr lang="zh-CN" altLang="en-US"/>
+              <a:t>内容</a:t>
+            </a:r>
+            <a:endParaRPr lang="zh-CN" altLang="en-US"/>
+          </a:p>
+        </p:txBody>
+      </p:sp>
+      <p:sp>
+        <p:nvSpPr>
+          <p:cNvPr id="13" name="文本框 12"/>
+          <p:cNvSpPr txBox="1"/>
+          <p:nvPr/>
+        </p:nvSpPr>
+        <p:spPr>
+          <a:xfrm>
+            <a:off x="8269605" y="3053080"/>
+            <a:ext cx="868680" cy="368300"/>
+          </a:xfrm>
+          <a:prstGeom prst="rect">
+            <a:avLst/>
+          </a:prstGeom>
+          <a:noFill/>
+        </p:spPr>
+        <p:txBody>
+          <a:bodyPr wrap="none" rtlCol="0">
+            <a:spAutoFit/>
+          </a:bodyPr>
+          <a:p>
+            <a:r>
+              <a:rPr lang="zh-CN" altLang="en-US"/>
+              <a:t>子</a:t>
+            </a:r>
+            <a:r>
+              <a:rPr lang="zh-CN" altLang="en-US"/>
+              <a:t>内容</a:t>
+            </a:r>
+            <a:endParaRPr lang="zh-CN" altLang="en-US"/>
           </a:p>
         </p:txBody>
       </p:sp>
     </p:spTree>
-    <p:extLst>
-      <p:ext uri="{BB962C8B-B14F-4D97-AF65-F5344CB8AC3E}">
-        <p14:creationId xmlns:p14="http://schemas.microsoft.com/office/powerpoint/2010/main" val="3574459535"/>
-      </p:ext>
-    </p:extLst>
   </p:cSld>
   <p:clrMapOvr>
     <a:masterClrMapping/>
   </p:clrMapOvr>
+  <mc:AlternateContent xmlns:mc="http://schemas.openxmlformats.org/markup-compatibility/2006">
+    <mc:Choice xmlns:p14="http://schemas.microsoft.com/office/powerpoint/2010/main" Requires="p14">
+      <p:transition spd="slow" p14:dur="2000" advTm="3000"/>
+    </mc:Choice>
+    <mc:Fallback>
+      <p:transition spd="slow" advTm="3000"/>
+    </mc:Fallback>
+  </mc:AlternateContent>
 </p:sld>
 </file>
 
-<file path=ppt/slides/slide16.xml><?xml version="1.0" encoding="utf-8"?>
+<file path=ppt/slides/slide17.xml><?xml version="1.0" encoding="utf-8"?>
 <p:sld xmlns:a="http://schemas.openxmlformats.org/drawingml/2006/main" xmlns:r="http://schemas.openxmlformats.org/officeDocument/2006/relationships" xmlns:p="http://schemas.openxmlformats.org/presentationml/2006/main">
   <p:cSld>
     <p:spTree>
@@ -7658,20 +8100,14 @@
       </p:sp>
       <p:pic>
         <p:nvPicPr>
-          <p:cNvPr id="5" name="图片 4">
-            <a:extLst>
-              <a:ext uri="{FF2B5EF4-FFF2-40B4-BE49-F238E27FC236}">
-                <a16:creationId xmlns:a16="http://schemas.microsoft.com/office/drawing/2014/main" id="{6E576B5B-1995-4DDB-A3B4-0AD4CFE36EB6}"/>
-              </a:ext>
-            </a:extLst>
-          </p:cNvPr>
+          <p:cNvPr id="5" name="图片 4"/>
           <p:cNvPicPr>
             <a:picLocks noChangeAspect="1"/>
           </p:cNvPicPr>
           <p:nvPr/>
         </p:nvPicPr>
         <p:blipFill>
-          <a:blip r:embed="rId3"/>
+          <a:blip r:embed="rId1"/>
           <a:stretch>
             <a:fillRect/>
           </a:stretch>
@@ -7688,20 +8124,14 @@
       </p:pic>
       <p:pic>
         <p:nvPicPr>
-          <p:cNvPr id="8" name="图片 7">
-            <a:extLst>
-              <a:ext uri="{FF2B5EF4-FFF2-40B4-BE49-F238E27FC236}">
-                <a16:creationId xmlns:a16="http://schemas.microsoft.com/office/drawing/2014/main" id="{3DE74697-DCE3-43DC-B567-9958AF86D631}"/>
-              </a:ext>
-            </a:extLst>
-          </p:cNvPr>
+          <p:cNvPr id="8" name="图片 7"/>
           <p:cNvPicPr>
             <a:picLocks noChangeAspect="1"/>
           </p:cNvPicPr>
           <p:nvPr/>
         </p:nvPicPr>
         <p:blipFill>
-          <a:blip r:embed="rId4"/>
+          <a:blip r:embed="rId2"/>
           <a:stretch>
             <a:fillRect/>
           </a:stretch>
@@ -7717,19 +8147,22 @@
         </p:spPr>
       </p:pic>
     </p:spTree>
-    <p:extLst>
-      <p:ext uri="{BB962C8B-B14F-4D97-AF65-F5344CB8AC3E}">
-        <p14:creationId xmlns:p14="http://schemas.microsoft.com/office/powerpoint/2010/main" val="581404373"/>
-      </p:ext>
-    </p:extLst>
   </p:cSld>
   <p:clrMapOvr>
     <a:masterClrMapping/>
   </p:clrMapOvr>
+  <mc:AlternateContent xmlns:mc="http://schemas.openxmlformats.org/markup-compatibility/2006">
+    <mc:Choice xmlns:p14="http://schemas.microsoft.com/office/powerpoint/2010/main" Requires="p14">
+      <p:transition spd="slow" p14:dur="2000" advTm="3000"/>
+    </mc:Choice>
+    <mc:Fallback>
+      <p:transition spd="slow" advTm="3000"/>
+    </mc:Fallback>
+  </mc:AlternateContent>
 </p:sld>
 </file>
 
-<file path=ppt/slides/slide17.xml><?xml version="1.0" encoding="utf-8"?>
+<file path=ppt/slides/slide18.xml><?xml version="1.0" encoding="utf-8"?>
 <p:sld xmlns:a="http://schemas.openxmlformats.org/drawingml/2006/main" xmlns:r="http://schemas.openxmlformats.org/officeDocument/2006/relationships" xmlns:p="http://schemas.openxmlformats.org/presentationml/2006/main">
   <p:cSld>
     <p:spTree>
@@ -7844,20 +8277,14 @@
       </p:sp>
       <p:pic>
         <p:nvPicPr>
-          <p:cNvPr id="4" name="图片 3">
-            <a:extLst>
-              <a:ext uri="{FF2B5EF4-FFF2-40B4-BE49-F238E27FC236}">
-                <a16:creationId xmlns:a16="http://schemas.microsoft.com/office/drawing/2014/main" id="{0611F115-0522-4AB3-8326-29A78E3C55D0}"/>
-              </a:ext>
-            </a:extLst>
-          </p:cNvPr>
+          <p:cNvPr id="4" name="图片 3"/>
           <p:cNvPicPr>
             <a:picLocks noChangeAspect="1"/>
           </p:cNvPicPr>
           <p:nvPr/>
         </p:nvPicPr>
         <p:blipFill>
-          <a:blip r:embed="rId3"/>
+          <a:blip r:embed="rId1"/>
           <a:stretch>
             <a:fillRect/>
           </a:stretch>
@@ -7874,20 +8301,14 @@
       </p:pic>
       <p:pic>
         <p:nvPicPr>
-          <p:cNvPr id="7" name="图片 6">
-            <a:extLst>
-              <a:ext uri="{FF2B5EF4-FFF2-40B4-BE49-F238E27FC236}">
-                <a16:creationId xmlns:a16="http://schemas.microsoft.com/office/drawing/2014/main" id="{62DBF013-2C48-4D2C-BE16-D3CB204C2361}"/>
-              </a:ext>
-            </a:extLst>
-          </p:cNvPr>
+          <p:cNvPr id="7" name="图片 6"/>
           <p:cNvPicPr>
             <a:picLocks noChangeAspect="1"/>
           </p:cNvPicPr>
           <p:nvPr/>
         </p:nvPicPr>
         <p:blipFill>
-          <a:blip r:embed="rId4"/>
+          <a:blip r:embed="rId2"/>
           <a:stretch>
             <a:fillRect/>
           </a:stretch>
@@ -7904,20 +8325,14 @@
       </p:pic>
       <p:pic>
         <p:nvPicPr>
-          <p:cNvPr id="10" name="图片 9">
-            <a:extLst>
-              <a:ext uri="{FF2B5EF4-FFF2-40B4-BE49-F238E27FC236}">
-                <a16:creationId xmlns:a16="http://schemas.microsoft.com/office/drawing/2014/main" id="{9C56D6F7-4FF5-4C8C-B250-BEB678C9CB29}"/>
-              </a:ext>
-            </a:extLst>
-          </p:cNvPr>
+          <p:cNvPr id="10" name="图片 9"/>
           <p:cNvPicPr>
             <a:picLocks noChangeAspect="1"/>
           </p:cNvPicPr>
           <p:nvPr/>
         </p:nvPicPr>
         <p:blipFill>
-          <a:blip r:embed="rId5"/>
+          <a:blip r:embed="rId3"/>
           <a:stretch>
             <a:fillRect/>
           </a:stretch>
@@ -7933,19 +8348,22 @@
         </p:spPr>
       </p:pic>
     </p:spTree>
-    <p:extLst>
-      <p:ext uri="{BB962C8B-B14F-4D97-AF65-F5344CB8AC3E}">
-        <p14:creationId xmlns:p14="http://schemas.microsoft.com/office/powerpoint/2010/main" val="102571780"/>
-      </p:ext>
-    </p:extLst>
   </p:cSld>
   <p:clrMapOvr>
     <a:masterClrMapping/>
   </p:clrMapOvr>
+  <mc:AlternateContent xmlns:mc="http://schemas.openxmlformats.org/markup-compatibility/2006">
+    <mc:Choice xmlns:p14="http://schemas.microsoft.com/office/powerpoint/2010/main" Requires="p14">
+      <p:transition spd="slow" p14:dur="2000" advTm="3000"/>
+    </mc:Choice>
+    <mc:Fallback>
+      <p:transition spd="slow" advTm="3000"/>
+    </mc:Fallback>
+  </mc:AlternateContent>
 </p:sld>
 </file>
 
-<file path=ppt/slides/slide18.xml><?xml version="1.0" encoding="utf-8"?>
+<file path=ppt/slides/slide19.xml><?xml version="1.0" encoding="utf-8"?>
 <p:sld xmlns:a="http://schemas.openxmlformats.org/drawingml/2006/main" xmlns:r="http://schemas.openxmlformats.org/officeDocument/2006/relationships" xmlns:p="http://schemas.openxmlformats.org/presentationml/2006/main">
   <p:cSld>
     <p:spTree>
@@ -8044,20 +8462,14 @@
       </p:sp>
       <p:pic>
         <p:nvPicPr>
-          <p:cNvPr id="5" name="图片 4">
-            <a:extLst>
-              <a:ext uri="{FF2B5EF4-FFF2-40B4-BE49-F238E27FC236}">
-                <a16:creationId xmlns:a16="http://schemas.microsoft.com/office/drawing/2014/main" id="{DA42D021-D68B-4C80-B83F-096CEDD86787}"/>
-              </a:ext>
-            </a:extLst>
-          </p:cNvPr>
+          <p:cNvPr id="5" name="图片 4"/>
           <p:cNvPicPr>
             <a:picLocks noChangeAspect="1"/>
           </p:cNvPicPr>
           <p:nvPr/>
         </p:nvPicPr>
         <p:blipFill>
-          <a:blip r:embed="rId3"/>
+          <a:blip r:embed="rId1"/>
           <a:stretch>
             <a:fillRect/>
           </a:stretch>
@@ -8077,718 +8489,14 @@
   <p:clrMapOvr>
     <a:masterClrMapping/>
   </p:clrMapOvr>
-</p:sld>
-</file>
-
-<file path=ppt/slides/slide19.xml><?xml version="1.0" encoding="utf-8"?>
-<p:sld xmlns:a="http://schemas.openxmlformats.org/drawingml/2006/main" xmlns:r="http://schemas.openxmlformats.org/officeDocument/2006/relationships" xmlns:p="http://schemas.openxmlformats.org/presentationml/2006/main">
-  <p:cSld>
-    <p:spTree>
-      <p:nvGrpSpPr>
-        <p:cNvPr id="1" name=""/>
-        <p:cNvGrpSpPr/>
-        <p:nvPr/>
-      </p:nvGrpSpPr>
-      <p:grpSpPr>
-        <a:xfrm>
-          <a:off x="0" y="0"/>
-          <a:ext cx="0" cy="0"/>
-          <a:chOff x="0" y="0"/>
-          <a:chExt cx="0" cy="0"/>
-        </a:xfrm>
-      </p:grpSpPr>
-      <p:sp>
-        <p:nvSpPr>
-          <p:cNvPr id="2" name="圆角矩形 1"/>
-          <p:cNvSpPr/>
-          <p:nvPr/>
-        </p:nvSpPr>
-        <p:spPr>
-          <a:xfrm>
-            <a:off x="6096000" y="2149867"/>
-            <a:ext cx="2558265" cy="2558265"/>
-          </a:xfrm>
-          <a:prstGeom prst="flowChartConnector">
-            <a:avLst/>
-          </a:prstGeom>
-          <a:solidFill>
-            <a:schemeClr val="bg1">
-              <a:lumMod val="85000"/>
-              <a:alpha val="70000"/>
-            </a:schemeClr>
-          </a:solidFill>
-          <a:ln>
-            <a:noFill/>
-          </a:ln>
-        </p:spPr>
-        <p:style>
-          <a:lnRef idx="2">
-            <a:schemeClr val="accent1">
-              <a:shade val="50000"/>
-            </a:schemeClr>
-          </a:lnRef>
-          <a:fillRef idx="1">
-            <a:schemeClr val="accent1"/>
-          </a:fillRef>
-          <a:effectRef idx="0">
-            <a:schemeClr val="accent1"/>
-          </a:effectRef>
-          <a:fontRef idx="minor">
-            <a:schemeClr val="lt1"/>
-          </a:fontRef>
-        </p:style>
-        <p:txBody>
-          <a:bodyPr rtlCol="0" anchor="ctr"/>
-          <a:lstStyle/>
-          <a:p>
-            <a:pPr marL="0" marR="0" lvl="0" indent="0" algn="ctr" defTabSz="914400" rtl="0" eaLnBrk="1" fontAlgn="auto" latinLnBrk="0" hangingPunct="1">
-              <a:lnSpc>
-                <a:spcPct val="100000"/>
-              </a:lnSpc>
-              <a:spcBef>
-                <a:spcPts val="0"/>
-              </a:spcBef>
-              <a:spcAft>
-                <a:spcPts val="0"/>
-              </a:spcAft>
-              <a:buClrTx/>
-              <a:buSzTx/>
-              <a:buFontTx/>
-              <a:buNone/>
-              <a:defRPr/>
-            </a:pPr>
-            <a:endParaRPr kumimoji="1" lang="zh-CN" altLang="en-US" sz="1800" b="0" i="0" u="none" strike="noStrike" kern="1200" cap="none" spc="0" normalizeH="0" baseline="0" noProof="0">
-              <a:ln>
-                <a:noFill/>
-              </a:ln>
-              <a:solidFill>
-                <a:prstClr val="white"/>
-              </a:solidFill>
-              <a:effectLst/>
-              <a:uLnTx/>
-              <a:uFillTx/>
-              <a:cs typeface="+mn-ea"/>
-              <a:sym typeface="+mn-lt"/>
-            </a:endParaRPr>
-          </a:p>
-        </p:txBody>
-      </p:sp>
-      <p:cxnSp>
-        <p:nvCxnSpPr>
-          <p:cNvPr id="9" name="直线连接符 8"/>
-          <p:cNvCxnSpPr/>
-          <p:nvPr/>
-        </p:nvCxnSpPr>
-        <p:spPr>
-          <a:xfrm flipV="1">
-            <a:off x="3407166" y="3462407"/>
-            <a:ext cx="1969770" cy="1270"/>
-          </a:xfrm>
-          <a:prstGeom prst="line">
-            <a:avLst/>
-          </a:prstGeom>
-          <a:ln>
-            <a:solidFill>
-              <a:schemeClr val="tx2"/>
-            </a:solidFill>
-          </a:ln>
-        </p:spPr>
-        <p:style>
-          <a:lnRef idx="1">
-            <a:schemeClr val="accent1"/>
-          </a:lnRef>
-          <a:fillRef idx="0">
-            <a:schemeClr val="accent1"/>
-          </a:fillRef>
-          <a:effectRef idx="0">
-            <a:schemeClr val="accent1"/>
-          </a:effectRef>
-          <a:fontRef idx="minor">
-            <a:schemeClr val="tx1"/>
-          </a:fontRef>
-        </p:style>
-      </p:cxnSp>
-      <p:sp>
-        <p:nvSpPr>
-          <p:cNvPr id="10" name="圆角矩形 9"/>
-          <p:cNvSpPr/>
-          <p:nvPr/>
-        </p:nvSpPr>
-        <p:spPr>
-          <a:xfrm>
-            <a:off x="9060621" y="1752538"/>
-            <a:ext cx="397329" cy="397329"/>
-          </a:xfrm>
-          <a:prstGeom prst="flowChartConnector">
-            <a:avLst/>
-          </a:prstGeom>
-          <a:solidFill>
-            <a:schemeClr val="bg1">
-              <a:lumMod val="85000"/>
-              <a:alpha val="70000"/>
-            </a:schemeClr>
-          </a:solidFill>
-          <a:ln>
-            <a:noFill/>
-          </a:ln>
-        </p:spPr>
-        <p:style>
-          <a:lnRef idx="2">
-            <a:schemeClr val="accent1">
-              <a:shade val="50000"/>
-            </a:schemeClr>
-          </a:lnRef>
-          <a:fillRef idx="1">
-            <a:schemeClr val="accent1"/>
-          </a:fillRef>
-          <a:effectRef idx="0">
-            <a:schemeClr val="accent1"/>
-          </a:effectRef>
-          <a:fontRef idx="minor">
-            <a:schemeClr val="lt1"/>
-          </a:fontRef>
-        </p:style>
-        <p:txBody>
-          <a:bodyPr rtlCol="0" anchor="ctr"/>
-          <a:lstStyle/>
-          <a:p>
-            <a:pPr marL="0" marR="0" lvl="0" indent="0" algn="ctr" defTabSz="914400" rtl="0" eaLnBrk="1" fontAlgn="auto" latinLnBrk="0" hangingPunct="1">
-              <a:lnSpc>
-                <a:spcPct val="100000"/>
-              </a:lnSpc>
-              <a:spcBef>
-                <a:spcPts val="0"/>
-              </a:spcBef>
-              <a:spcAft>
-                <a:spcPts val="0"/>
-              </a:spcAft>
-              <a:buClrTx/>
-              <a:buSzTx/>
-              <a:buFontTx/>
-              <a:buNone/>
-              <a:defRPr/>
-            </a:pPr>
-            <a:endParaRPr kumimoji="1" lang="zh-CN" altLang="en-US" sz="1800" b="0" i="0" u="none" strike="noStrike" kern="1200" cap="none" spc="0" normalizeH="0" baseline="0" noProof="0">
-              <a:ln>
-                <a:noFill/>
-              </a:ln>
-              <a:solidFill>
-                <a:prstClr val="white"/>
-              </a:solidFill>
-              <a:effectLst/>
-              <a:uLnTx/>
-              <a:uFillTx/>
-              <a:cs typeface="+mn-ea"/>
-              <a:sym typeface="+mn-lt"/>
-            </a:endParaRPr>
-          </a:p>
-        </p:txBody>
-      </p:sp>
-      <p:sp>
-        <p:nvSpPr>
-          <p:cNvPr id="11" name="圆角矩形 10"/>
-          <p:cNvSpPr/>
-          <p:nvPr/>
-        </p:nvSpPr>
-        <p:spPr>
-          <a:xfrm>
-            <a:off x="9527960" y="2435099"/>
-            <a:ext cx="209070" cy="209070"/>
-          </a:xfrm>
-          <a:prstGeom prst="flowChartConnector">
-            <a:avLst/>
-          </a:prstGeom>
-          <a:solidFill>
-            <a:schemeClr val="bg1">
-              <a:lumMod val="85000"/>
-              <a:alpha val="70000"/>
-            </a:schemeClr>
-          </a:solidFill>
-          <a:ln>
-            <a:noFill/>
-          </a:ln>
-        </p:spPr>
-        <p:style>
-          <a:lnRef idx="2">
-            <a:schemeClr val="accent1">
-              <a:shade val="50000"/>
-            </a:schemeClr>
-          </a:lnRef>
-          <a:fillRef idx="1">
-            <a:schemeClr val="accent1"/>
-          </a:fillRef>
-          <a:effectRef idx="0">
-            <a:schemeClr val="accent1"/>
-          </a:effectRef>
-          <a:fontRef idx="minor">
-            <a:schemeClr val="lt1"/>
-          </a:fontRef>
-        </p:style>
-        <p:txBody>
-          <a:bodyPr rtlCol="0" anchor="ctr"/>
-          <a:lstStyle/>
-          <a:p>
-            <a:pPr marL="0" marR="0" lvl="0" indent="0" algn="ctr" defTabSz="914400" rtl="0" eaLnBrk="1" fontAlgn="auto" latinLnBrk="0" hangingPunct="1">
-              <a:lnSpc>
-                <a:spcPct val="100000"/>
-              </a:lnSpc>
-              <a:spcBef>
-                <a:spcPts val="0"/>
-              </a:spcBef>
-              <a:spcAft>
-                <a:spcPts val="0"/>
-              </a:spcAft>
-              <a:buClrTx/>
-              <a:buSzTx/>
-              <a:buFontTx/>
-              <a:buNone/>
-              <a:defRPr/>
-            </a:pPr>
-            <a:endParaRPr kumimoji="1" lang="zh-CN" altLang="en-US" sz="1800" b="0" i="0" u="none" strike="noStrike" kern="1200" cap="none" spc="0" normalizeH="0" baseline="0" noProof="0">
-              <a:ln>
-                <a:noFill/>
-              </a:ln>
-              <a:solidFill>
-                <a:prstClr val="white"/>
-              </a:solidFill>
-              <a:effectLst/>
-              <a:uLnTx/>
-              <a:uFillTx/>
-              <a:cs typeface="+mn-ea"/>
-              <a:sym typeface="+mn-lt"/>
-            </a:endParaRPr>
-          </a:p>
-        </p:txBody>
-      </p:sp>
-      <p:sp>
-        <p:nvSpPr>
-          <p:cNvPr id="15" name="文本框 14"/>
-          <p:cNvSpPr txBox="1"/>
-          <p:nvPr/>
-        </p:nvSpPr>
-        <p:spPr>
-          <a:xfrm>
-            <a:off x="3568456" y="2879379"/>
-            <a:ext cx="1808480" cy="583565"/>
-          </a:xfrm>
-          <a:prstGeom prst="rect">
-            <a:avLst/>
-          </a:prstGeom>
-          <a:noFill/>
-        </p:spPr>
-        <p:txBody>
-          <a:bodyPr wrap="none" rtlCol="0">
-            <a:spAutoFit/>
-          </a:bodyPr>
-          <a:lstStyle/>
-          <a:p>
-            <a:pPr marL="0" marR="0" lvl="0" indent="0" algn="r" defTabSz="914400" rtl="0" eaLnBrk="1" fontAlgn="auto" latinLnBrk="0" hangingPunct="1">
-              <a:lnSpc>
-                <a:spcPct val="100000"/>
-              </a:lnSpc>
-              <a:spcBef>
-                <a:spcPts val="0"/>
-              </a:spcBef>
-              <a:spcAft>
-                <a:spcPts val="0"/>
-              </a:spcAft>
-              <a:buClrTx/>
-              <a:buSzTx/>
-              <a:buFontTx/>
-              <a:buNone/>
-              <a:defRPr/>
-            </a:pPr>
-            <a:r>
-              <a:rPr kumimoji="1" lang="zh-CN" altLang="en-US" sz="3200" b="0" i="0" u="none" strike="noStrike" kern="1200" cap="none" spc="0" normalizeH="0" baseline="0" noProof="0" dirty="0">
-                <a:ln>
-                  <a:noFill/>
-                </a:ln>
-                <a:solidFill>
-                  <a:srgbClr val="44546A"/>
-                </a:solidFill>
-                <a:effectLst/>
-                <a:uLnTx/>
-                <a:uFillTx/>
-                <a:cs typeface="+mn-ea"/>
-                <a:sym typeface="+mn-lt"/>
-              </a:rPr>
-              <a:t>谢谢大家</a:t>
-            </a:r>
-          </a:p>
-        </p:txBody>
-      </p:sp>
-      <p:sp>
-        <p:nvSpPr>
-          <p:cNvPr id="22" name="圆角矩形 21"/>
-          <p:cNvSpPr/>
-          <p:nvPr/>
-        </p:nvSpPr>
-        <p:spPr>
-          <a:xfrm>
-            <a:off x="6255843" y="4972111"/>
-            <a:ext cx="209070" cy="209070"/>
-          </a:xfrm>
-          <a:prstGeom prst="flowChartConnector">
-            <a:avLst/>
-          </a:prstGeom>
-          <a:solidFill>
-            <a:schemeClr val="bg1">
-              <a:lumMod val="85000"/>
-              <a:alpha val="70000"/>
-            </a:schemeClr>
-          </a:solidFill>
-          <a:ln>
-            <a:noFill/>
-          </a:ln>
-        </p:spPr>
-        <p:style>
-          <a:lnRef idx="2">
-            <a:schemeClr val="accent1">
-              <a:shade val="50000"/>
-            </a:schemeClr>
-          </a:lnRef>
-          <a:fillRef idx="1">
-            <a:schemeClr val="accent1"/>
-          </a:fillRef>
-          <a:effectRef idx="0">
-            <a:schemeClr val="accent1"/>
-          </a:effectRef>
-          <a:fontRef idx="minor">
-            <a:schemeClr val="lt1"/>
-          </a:fontRef>
-        </p:style>
-        <p:txBody>
-          <a:bodyPr rtlCol="0" anchor="ctr"/>
-          <a:lstStyle/>
-          <a:p>
-            <a:pPr marL="0" marR="0" lvl="0" indent="0" algn="ctr" defTabSz="914400" rtl="0" eaLnBrk="1" fontAlgn="auto" latinLnBrk="0" hangingPunct="1">
-              <a:lnSpc>
-                <a:spcPct val="100000"/>
-              </a:lnSpc>
-              <a:spcBef>
-                <a:spcPts val="0"/>
-              </a:spcBef>
-              <a:spcAft>
-                <a:spcPts val="0"/>
-              </a:spcAft>
-              <a:buClrTx/>
-              <a:buSzTx/>
-              <a:buFontTx/>
-              <a:buNone/>
-              <a:defRPr/>
-            </a:pPr>
-            <a:endParaRPr kumimoji="1" lang="zh-CN" altLang="en-US" sz="1800" b="0" i="0" u="none" strike="noStrike" kern="1200" cap="none" spc="0" normalizeH="0" baseline="0" noProof="0">
-              <a:ln>
-                <a:noFill/>
-              </a:ln>
-              <a:solidFill>
-                <a:prstClr val="white"/>
-              </a:solidFill>
-              <a:effectLst/>
-              <a:uLnTx/>
-              <a:uFillTx/>
-              <a:cs typeface="+mn-ea"/>
-              <a:sym typeface="+mn-lt"/>
-            </a:endParaRPr>
-          </a:p>
-        </p:txBody>
-      </p:sp>
-    </p:spTree>
-  </p:cSld>
-  <p:clrMapOvr>
-    <a:masterClrMapping/>
-  </p:clrMapOvr>
-  <mc:AlternateContent xmlns:mc="http://schemas.openxmlformats.org/markup-compatibility/2006" xmlns:p14="http://schemas.microsoft.com/office/powerpoint/2010/main">
-    <mc:Choice Requires="p14">
-      <p:transition p14:dur="0"/>
+  <mc:AlternateContent xmlns:mc="http://schemas.openxmlformats.org/markup-compatibility/2006">
+    <mc:Choice xmlns:p14="http://schemas.microsoft.com/office/powerpoint/2010/main" Requires="p14">
+      <p:transition spd="slow" p14:dur="2000" advTm="3000"/>
     </mc:Choice>
-    <mc:Fallback xmlns="">
-      <p:transition/>
+    <mc:Fallback>
+      <p:transition spd="slow" advTm="3000"/>
     </mc:Fallback>
   </mc:AlternateContent>
-  <p:timing>
-    <p:tnLst>
-      <p:par>
-        <p:cTn id="1" dur="indefinite" restart="never" nodeType="tmRoot">
-          <p:childTnLst>
-            <p:seq concurrent="1" nextAc="seek">
-              <p:cTn id="2" dur="indefinite" nodeType="mainSeq">
-                <p:childTnLst>
-                  <p:par>
-                    <p:cTn id="3" fill="hold">
-                      <p:stCondLst>
-                        <p:cond delay="indefinite"/>
-                      </p:stCondLst>
-                      <p:childTnLst>
-                        <p:par>
-                          <p:cTn id="4" fill="hold">
-                            <p:stCondLst>
-                              <p:cond delay="0"/>
-                            </p:stCondLst>
-                            <p:childTnLst>
-                              <p:par>
-                                <p:cTn id="5" presetID="5" presetClass="entr" presetSubtype="10" fill="hold" grpId="0" nodeType="clickEffect">
-                                  <p:stCondLst>
-                                    <p:cond delay="0"/>
-                                  </p:stCondLst>
-                                  <p:childTnLst>
-                                    <p:set>
-                                      <p:cBhvr>
-                                        <p:cTn id="6" dur="1" fill="hold">
-                                          <p:stCondLst>
-                                            <p:cond delay="0"/>
-                                          </p:stCondLst>
-                                        </p:cTn>
-                                        <p:tgtEl>
-                                          <p:spTgt spid="2"/>
-                                        </p:tgtEl>
-                                        <p:attrNameLst>
-                                          <p:attrName>style.visibility</p:attrName>
-                                        </p:attrNameLst>
-                                      </p:cBhvr>
-                                      <p:to>
-                                        <p:strVal val="visible"/>
-                                      </p:to>
-                                    </p:set>
-                                    <p:animEffect transition="in" filter="checkerboard(across)">
-                                      <p:cBhvr>
-                                        <p:cTn id="7" dur="500"/>
-                                        <p:tgtEl>
-                                          <p:spTgt spid="2"/>
-                                        </p:tgtEl>
-                                      </p:cBhvr>
-                                    </p:animEffect>
-                                  </p:childTnLst>
-                                </p:cTn>
-                              </p:par>
-                              <p:par>
-                                <p:cTn id="8" presetID="5" presetClass="entr" presetSubtype="10" fill="hold" grpId="0" nodeType="withEffect">
-                                  <p:stCondLst>
-                                    <p:cond delay="0"/>
-                                  </p:stCondLst>
-                                  <p:childTnLst>
-                                    <p:set>
-                                      <p:cBhvr>
-                                        <p:cTn id="9" dur="1" fill="hold">
-                                          <p:stCondLst>
-                                            <p:cond delay="0"/>
-                                          </p:stCondLst>
-                                        </p:cTn>
-                                        <p:tgtEl>
-                                          <p:spTgt spid="10"/>
-                                        </p:tgtEl>
-                                        <p:attrNameLst>
-                                          <p:attrName>style.visibility</p:attrName>
-                                        </p:attrNameLst>
-                                      </p:cBhvr>
-                                      <p:to>
-                                        <p:strVal val="visible"/>
-                                      </p:to>
-                                    </p:set>
-                                    <p:animEffect transition="in" filter="checkerboard(across)">
-                                      <p:cBhvr>
-                                        <p:cTn id="10" dur="500"/>
-                                        <p:tgtEl>
-                                          <p:spTgt spid="10"/>
-                                        </p:tgtEl>
-                                      </p:cBhvr>
-                                    </p:animEffect>
-                                  </p:childTnLst>
-                                </p:cTn>
-                              </p:par>
-                              <p:par>
-                                <p:cTn id="11" presetID="5" presetClass="entr" presetSubtype="10" fill="hold" grpId="0" nodeType="withEffect">
-                                  <p:stCondLst>
-                                    <p:cond delay="0"/>
-                                  </p:stCondLst>
-                                  <p:childTnLst>
-                                    <p:set>
-                                      <p:cBhvr>
-                                        <p:cTn id="12" dur="1" fill="hold">
-                                          <p:stCondLst>
-                                            <p:cond delay="0"/>
-                                          </p:stCondLst>
-                                        </p:cTn>
-                                        <p:tgtEl>
-                                          <p:spTgt spid="11"/>
-                                        </p:tgtEl>
-                                        <p:attrNameLst>
-                                          <p:attrName>style.visibility</p:attrName>
-                                        </p:attrNameLst>
-                                      </p:cBhvr>
-                                      <p:to>
-                                        <p:strVal val="visible"/>
-                                      </p:to>
-                                    </p:set>
-                                    <p:animEffect transition="in" filter="checkerboard(across)">
-                                      <p:cBhvr>
-                                        <p:cTn id="13" dur="500"/>
-                                        <p:tgtEl>
-                                          <p:spTgt spid="11"/>
-                                        </p:tgtEl>
-                                      </p:cBhvr>
-                                    </p:animEffect>
-                                  </p:childTnLst>
-                                </p:cTn>
-                              </p:par>
-                              <p:par>
-                                <p:cTn id="14" presetID="5" presetClass="entr" presetSubtype="10" fill="hold" grpId="0" nodeType="withEffect">
-                                  <p:stCondLst>
-                                    <p:cond delay="0"/>
-                                  </p:stCondLst>
-                                  <p:childTnLst>
-                                    <p:set>
-                                      <p:cBhvr>
-                                        <p:cTn id="15" dur="1" fill="hold">
-                                          <p:stCondLst>
-                                            <p:cond delay="0"/>
-                                          </p:stCondLst>
-                                        </p:cTn>
-                                        <p:tgtEl>
-                                          <p:spTgt spid="22"/>
-                                        </p:tgtEl>
-                                        <p:attrNameLst>
-                                          <p:attrName>style.visibility</p:attrName>
-                                        </p:attrNameLst>
-                                      </p:cBhvr>
-                                      <p:to>
-                                        <p:strVal val="visible"/>
-                                      </p:to>
-                                    </p:set>
-                                    <p:animEffect transition="in" filter="checkerboard(across)">
-                                      <p:cBhvr>
-                                        <p:cTn id="16" dur="500"/>
-                                        <p:tgtEl>
-                                          <p:spTgt spid="22"/>
-                                        </p:tgtEl>
-                                      </p:cBhvr>
-                                    </p:animEffect>
-                                  </p:childTnLst>
-                                </p:cTn>
-                              </p:par>
-                            </p:childTnLst>
-                          </p:cTn>
-                        </p:par>
-                      </p:childTnLst>
-                    </p:cTn>
-                  </p:par>
-                  <p:par>
-                    <p:cTn id="17" fill="hold">
-                      <p:stCondLst>
-                        <p:cond delay="indefinite"/>
-                      </p:stCondLst>
-                      <p:childTnLst>
-                        <p:par>
-                          <p:cTn id="18" fill="hold">
-                            <p:stCondLst>
-                              <p:cond delay="0"/>
-                            </p:stCondLst>
-                            <p:childTnLst>
-                              <p:par>
-                                <p:cTn id="19" presetID="3" presetClass="entr" presetSubtype="10" fill="hold" nodeType="clickEffect">
-                                  <p:stCondLst>
-                                    <p:cond delay="0"/>
-                                  </p:stCondLst>
-                                  <p:childTnLst>
-                                    <p:set>
-                                      <p:cBhvr>
-                                        <p:cTn id="20" dur="1" fill="hold">
-                                          <p:stCondLst>
-                                            <p:cond delay="0"/>
-                                          </p:stCondLst>
-                                        </p:cTn>
-                                        <p:tgtEl>
-                                          <p:spTgt spid="9"/>
-                                        </p:tgtEl>
-                                        <p:attrNameLst>
-                                          <p:attrName>style.visibility</p:attrName>
-                                        </p:attrNameLst>
-                                      </p:cBhvr>
-                                      <p:to>
-                                        <p:strVal val="visible"/>
-                                      </p:to>
-                                    </p:set>
-                                    <p:animEffect transition="in" filter="blinds(horizontal)">
-                                      <p:cBhvr>
-                                        <p:cTn id="21" dur="500"/>
-                                        <p:tgtEl>
-                                          <p:spTgt spid="9"/>
-                                        </p:tgtEl>
-                                      </p:cBhvr>
-                                    </p:animEffect>
-                                  </p:childTnLst>
-                                </p:cTn>
-                              </p:par>
-                              <p:par>
-                                <p:cTn id="22" presetID="3" presetClass="entr" presetSubtype="10" fill="hold" grpId="0" nodeType="withEffect">
-                                  <p:stCondLst>
-                                    <p:cond delay="0"/>
-                                  </p:stCondLst>
-                                  <p:childTnLst>
-                                    <p:set>
-                                      <p:cBhvr>
-                                        <p:cTn id="23" dur="1" fill="hold">
-                                          <p:stCondLst>
-                                            <p:cond delay="0"/>
-                                          </p:stCondLst>
-                                        </p:cTn>
-                                        <p:tgtEl>
-                                          <p:spTgt spid="15"/>
-                                        </p:tgtEl>
-                                        <p:attrNameLst>
-                                          <p:attrName>style.visibility</p:attrName>
-                                        </p:attrNameLst>
-                                      </p:cBhvr>
-                                      <p:to>
-                                        <p:strVal val="visible"/>
-                                      </p:to>
-                                    </p:set>
-                                    <p:animEffect transition="in" filter="blinds(horizontal)">
-                                      <p:cBhvr>
-                                        <p:cTn id="24" dur="500"/>
-                                        <p:tgtEl>
-                                          <p:spTgt spid="15"/>
-                                        </p:tgtEl>
-                                      </p:cBhvr>
-                                    </p:animEffect>
-                                  </p:childTnLst>
-                                </p:cTn>
-                              </p:par>
-                            </p:childTnLst>
-                          </p:cTn>
-                        </p:par>
-                      </p:childTnLst>
-                    </p:cTn>
-                  </p:par>
-                </p:childTnLst>
-              </p:cTn>
-              <p:prevCondLst>
-                <p:cond evt="onPrev" delay="0">
-                  <p:tgtEl>
-                    <p:sldTgt/>
-                  </p:tgtEl>
-                </p:cond>
-              </p:prevCondLst>
-              <p:nextCondLst>
-                <p:cond evt="onNext" delay="0">
-                  <p:tgtEl>
-                    <p:sldTgt/>
-                  </p:tgtEl>
-                </p:cond>
-              </p:nextCondLst>
-            </p:seq>
-          </p:childTnLst>
-        </p:cTn>
-      </p:par>
-    </p:tnLst>
-    <p:bldLst>
-      <p:bldP spid="2" grpId="0" animBg="1"/>
-      <p:bldP spid="10" grpId="0" animBg="1"/>
-      <p:bldP spid="11" grpId="0" animBg="1"/>
-      <p:bldP spid="15" grpId="0"/>
-      <p:bldP spid="22" grpId="0" animBg="1"/>
-    </p:bldLst>
-  </p:timing>
 </p:sld>
 </file>
 
@@ -9167,6 +8875,19 @@
               </a:rPr>
               <a:t>目录</a:t>
             </a:r>
+            <a:endParaRPr kumimoji="1" lang="zh-CN" altLang="en-US" sz="6000" b="0" i="0" u="none" strike="noStrike" kern="1200" cap="none" spc="0" normalizeH="0" baseline="0" noProof="0" dirty="0">
+              <a:ln>
+                <a:noFill/>
+              </a:ln>
+              <a:solidFill>
+                <a:srgbClr val="44546A"/>
+              </a:solidFill>
+              <a:effectLst/>
+              <a:uLnTx/>
+              <a:uFillTx/>
+              <a:cs typeface="+mn-ea"/>
+              <a:sym typeface="+mn-lt"/>
+            </a:endParaRPr>
           </a:p>
         </p:txBody>
       </p:sp>
@@ -9536,6 +9257,19 @@
               </a:rPr>
               <a:t>介绍</a:t>
             </a:r>
+            <a:endParaRPr kumimoji="1" lang="zh-CN" altLang="en-US" sz="2400" b="0" i="0" u="none" strike="noStrike" kern="1200" cap="none" spc="0" normalizeH="0" baseline="0" noProof="0">
+              <a:ln>
+                <a:noFill/>
+              </a:ln>
+              <a:solidFill>
+                <a:srgbClr val="44546A"/>
+              </a:solidFill>
+              <a:effectLst/>
+              <a:uLnTx/>
+              <a:uFillTx/>
+              <a:cs typeface="+mn-ea"/>
+              <a:sym typeface="+mn-lt"/>
+            </a:endParaRPr>
           </a:p>
         </p:txBody>
       </p:sp>
@@ -9604,6 +9338,19 @@
               </a:rPr>
               <a:t>使用场景</a:t>
             </a:r>
+            <a:endParaRPr kumimoji="1" lang="zh-CN" altLang="en-US" sz="2400" noProof="0">
+              <a:ln>
+                <a:noFill/>
+              </a:ln>
+              <a:solidFill>
+                <a:srgbClr val="44546A"/>
+              </a:solidFill>
+              <a:effectLst/>
+              <a:uLnTx/>
+              <a:uFillTx/>
+              <a:cs typeface="+mn-ea"/>
+              <a:sym typeface="微软雅黑" panose="020B0503020204020204" charset="-122"/>
+            </a:endParaRPr>
           </a:p>
         </p:txBody>
       </p:sp>
@@ -9750,6 +9497,14 @@
   <p:clrMapOvr>
     <a:masterClrMapping/>
   </p:clrMapOvr>
+  <mc:AlternateContent xmlns:mc="http://schemas.openxmlformats.org/markup-compatibility/2006">
+    <mc:Choice xmlns:p14="http://schemas.microsoft.com/office/powerpoint/2010/main" Requires="p14">
+      <p:transition spd="slow" p14:dur="2000" advTm="3000"/>
+    </mc:Choice>
+    <mc:Fallback>
+      <p:transition spd="slow" advTm="3000"/>
+    </mc:Fallback>
+  </mc:AlternateContent>
   <p:timing>
     <p:tnLst>
       <p:par>
@@ -10091,6 +9846,731 @@
 </p:sld>
 </file>
 
+<file path=ppt/slides/slide20.xml><?xml version="1.0" encoding="utf-8"?>
+<p:sld xmlns:a="http://schemas.openxmlformats.org/drawingml/2006/main" xmlns:r="http://schemas.openxmlformats.org/officeDocument/2006/relationships" xmlns:p="http://schemas.openxmlformats.org/presentationml/2006/main">
+  <p:cSld>
+    <p:spTree>
+      <p:nvGrpSpPr>
+        <p:cNvPr id="1" name=""/>
+        <p:cNvGrpSpPr/>
+        <p:nvPr/>
+      </p:nvGrpSpPr>
+      <p:grpSpPr>
+        <a:xfrm>
+          <a:off x="0" y="0"/>
+          <a:ext cx="0" cy="0"/>
+          <a:chOff x="0" y="0"/>
+          <a:chExt cx="0" cy="0"/>
+        </a:xfrm>
+      </p:grpSpPr>
+      <p:sp>
+        <p:nvSpPr>
+          <p:cNvPr id="2" name="圆角矩形 1"/>
+          <p:cNvSpPr/>
+          <p:nvPr/>
+        </p:nvSpPr>
+        <p:spPr>
+          <a:xfrm>
+            <a:off x="6096000" y="2149867"/>
+            <a:ext cx="2558265" cy="2558265"/>
+          </a:xfrm>
+          <a:prstGeom prst="flowChartConnector">
+            <a:avLst/>
+          </a:prstGeom>
+          <a:solidFill>
+            <a:schemeClr val="bg1">
+              <a:lumMod val="85000"/>
+              <a:alpha val="70000"/>
+            </a:schemeClr>
+          </a:solidFill>
+          <a:ln>
+            <a:noFill/>
+          </a:ln>
+        </p:spPr>
+        <p:style>
+          <a:lnRef idx="2">
+            <a:schemeClr val="accent1">
+              <a:shade val="50000"/>
+            </a:schemeClr>
+          </a:lnRef>
+          <a:fillRef idx="1">
+            <a:schemeClr val="accent1"/>
+          </a:fillRef>
+          <a:effectRef idx="0">
+            <a:schemeClr val="accent1"/>
+          </a:effectRef>
+          <a:fontRef idx="minor">
+            <a:schemeClr val="lt1"/>
+          </a:fontRef>
+        </p:style>
+        <p:txBody>
+          <a:bodyPr rtlCol="0" anchor="ctr"/>
+          <a:lstStyle/>
+          <a:p>
+            <a:pPr marL="0" marR="0" lvl="0" indent="0" algn="ctr" defTabSz="914400" rtl="0" eaLnBrk="1" fontAlgn="auto" latinLnBrk="0" hangingPunct="1">
+              <a:lnSpc>
+                <a:spcPct val="100000"/>
+              </a:lnSpc>
+              <a:spcBef>
+                <a:spcPts val="0"/>
+              </a:spcBef>
+              <a:spcAft>
+                <a:spcPts val="0"/>
+              </a:spcAft>
+              <a:buClrTx/>
+              <a:buSzTx/>
+              <a:buFontTx/>
+              <a:buNone/>
+              <a:defRPr/>
+            </a:pPr>
+            <a:endParaRPr kumimoji="1" lang="zh-CN" altLang="en-US" sz="1800" b="0" i="0" u="none" strike="noStrike" kern="1200" cap="none" spc="0" normalizeH="0" baseline="0" noProof="0">
+              <a:ln>
+                <a:noFill/>
+              </a:ln>
+              <a:solidFill>
+                <a:prstClr val="white"/>
+              </a:solidFill>
+              <a:effectLst/>
+              <a:uLnTx/>
+              <a:uFillTx/>
+              <a:cs typeface="+mn-ea"/>
+              <a:sym typeface="+mn-lt"/>
+            </a:endParaRPr>
+          </a:p>
+        </p:txBody>
+      </p:sp>
+      <p:cxnSp>
+        <p:nvCxnSpPr>
+          <p:cNvPr id="9" name="直线连接符 8"/>
+          <p:cNvCxnSpPr/>
+          <p:nvPr/>
+        </p:nvCxnSpPr>
+        <p:spPr>
+          <a:xfrm flipV="1">
+            <a:off x="3407166" y="3462407"/>
+            <a:ext cx="1969770" cy="1270"/>
+          </a:xfrm>
+          <a:prstGeom prst="line">
+            <a:avLst/>
+          </a:prstGeom>
+          <a:ln>
+            <a:solidFill>
+              <a:schemeClr val="tx2"/>
+            </a:solidFill>
+          </a:ln>
+        </p:spPr>
+        <p:style>
+          <a:lnRef idx="1">
+            <a:schemeClr val="accent1"/>
+          </a:lnRef>
+          <a:fillRef idx="0">
+            <a:schemeClr val="accent1"/>
+          </a:fillRef>
+          <a:effectRef idx="0">
+            <a:schemeClr val="accent1"/>
+          </a:effectRef>
+          <a:fontRef idx="minor">
+            <a:schemeClr val="tx1"/>
+          </a:fontRef>
+        </p:style>
+      </p:cxnSp>
+      <p:sp>
+        <p:nvSpPr>
+          <p:cNvPr id="10" name="圆角矩形 9"/>
+          <p:cNvSpPr/>
+          <p:nvPr/>
+        </p:nvSpPr>
+        <p:spPr>
+          <a:xfrm>
+            <a:off x="9060621" y="1752538"/>
+            <a:ext cx="397329" cy="397329"/>
+          </a:xfrm>
+          <a:prstGeom prst="flowChartConnector">
+            <a:avLst/>
+          </a:prstGeom>
+          <a:solidFill>
+            <a:schemeClr val="bg1">
+              <a:lumMod val="85000"/>
+              <a:alpha val="70000"/>
+            </a:schemeClr>
+          </a:solidFill>
+          <a:ln>
+            <a:noFill/>
+          </a:ln>
+        </p:spPr>
+        <p:style>
+          <a:lnRef idx="2">
+            <a:schemeClr val="accent1">
+              <a:shade val="50000"/>
+            </a:schemeClr>
+          </a:lnRef>
+          <a:fillRef idx="1">
+            <a:schemeClr val="accent1"/>
+          </a:fillRef>
+          <a:effectRef idx="0">
+            <a:schemeClr val="accent1"/>
+          </a:effectRef>
+          <a:fontRef idx="minor">
+            <a:schemeClr val="lt1"/>
+          </a:fontRef>
+        </p:style>
+        <p:txBody>
+          <a:bodyPr rtlCol="0" anchor="ctr"/>
+          <a:lstStyle/>
+          <a:p>
+            <a:pPr marL="0" marR="0" lvl="0" indent="0" algn="ctr" defTabSz="914400" rtl="0" eaLnBrk="1" fontAlgn="auto" latinLnBrk="0" hangingPunct="1">
+              <a:lnSpc>
+                <a:spcPct val="100000"/>
+              </a:lnSpc>
+              <a:spcBef>
+                <a:spcPts val="0"/>
+              </a:spcBef>
+              <a:spcAft>
+                <a:spcPts val="0"/>
+              </a:spcAft>
+              <a:buClrTx/>
+              <a:buSzTx/>
+              <a:buFontTx/>
+              <a:buNone/>
+              <a:defRPr/>
+            </a:pPr>
+            <a:endParaRPr kumimoji="1" lang="zh-CN" altLang="en-US" sz="1800" b="0" i="0" u="none" strike="noStrike" kern="1200" cap="none" spc="0" normalizeH="0" baseline="0" noProof="0">
+              <a:ln>
+                <a:noFill/>
+              </a:ln>
+              <a:solidFill>
+                <a:prstClr val="white"/>
+              </a:solidFill>
+              <a:effectLst/>
+              <a:uLnTx/>
+              <a:uFillTx/>
+              <a:cs typeface="+mn-ea"/>
+              <a:sym typeface="+mn-lt"/>
+            </a:endParaRPr>
+          </a:p>
+        </p:txBody>
+      </p:sp>
+      <p:sp>
+        <p:nvSpPr>
+          <p:cNvPr id="11" name="圆角矩形 10"/>
+          <p:cNvSpPr/>
+          <p:nvPr/>
+        </p:nvSpPr>
+        <p:spPr>
+          <a:xfrm>
+            <a:off x="9527960" y="2435099"/>
+            <a:ext cx="209070" cy="209070"/>
+          </a:xfrm>
+          <a:prstGeom prst="flowChartConnector">
+            <a:avLst/>
+          </a:prstGeom>
+          <a:solidFill>
+            <a:schemeClr val="bg1">
+              <a:lumMod val="85000"/>
+              <a:alpha val="70000"/>
+            </a:schemeClr>
+          </a:solidFill>
+          <a:ln>
+            <a:noFill/>
+          </a:ln>
+        </p:spPr>
+        <p:style>
+          <a:lnRef idx="2">
+            <a:schemeClr val="accent1">
+              <a:shade val="50000"/>
+            </a:schemeClr>
+          </a:lnRef>
+          <a:fillRef idx="1">
+            <a:schemeClr val="accent1"/>
+          </a:fillRef>
+          <a:effectRef idx="0">
+            <a:schemeClr val="accent1"/>
+          </a:effectRef>
+          <a:fontRef idx="minor">
+            <a:schemeClr val="lt1"/>
+          </a:fontRef>
+        </p:style>
+        <p:txBody>
+          <a:bodyPr rtlCol="0" anchor="ctr"/>
+          <a:lstStyle/>
+          <a:p>
+            <a:pPr marL="0" marR="0" lvl="0" indent="0" algn="ctr" defTabSz="914400" rtl="0" eaLnBrk="1" fontAlgn="auto" latinLnBrk="0" hangingPunct="1">
+              <a:lnSpc>
+                <a:spcPct val="100000"/>
+              </a:lnSpc>
+              <a:spcBef>
+                <a:spcPts val="0"/>
+              </a:spcBef>
+              <a:spcAft>
+                <a:spcPts val="0"/>
+              </a:spcAft>
+              <a:buClrTx/>
+              <a:buSzTx/>
+              <a:buFontTx/>
+              <a:buNone/>
+              <a:defRPr/>
+            </a:pPr>
+            <a:endParaRPr kumimoji="1" lang="zh-CN" altLang="en-US" sz="1800" b="0" i="0" u="none" strike="noStrike" kern="1200" cap="none" spc="0" normalizeH="0" baseline="0" noProof="0">
+              <a:ln>
+                <a:noFill/>
+              </a:ln>
+              <a:solidFill>
+                <a:prstClr val="white"/>
+              </a:solidFill>
+              <a:effectLst/>
+              <a:uLnTx/>
+              <a:uFillTx/>
+              <a:cs typeface="+mn-ea"/>
+              <a:sym typeface="+mn-lt"/>
+            </a:endParaRPr>
+          </a:p>
+        </p:txBody>
+      </p:sp>
+      <p:sp>
+        <p:nvSpPr>
+          <p:cNvPr id="15" name="文本框 14"/>
+          <p:cNvSpPr txBox="1"/>
+          <p:nvPr/>
+        </p:nvSpPr>
+        <p:spPr>
+          <a:xfrm>
+            <a:off x="3568456" y="2879379"/>
+            <a:ext cx="1808480" cy="583565"/>
+          </a:xfrm>
+          <a:prstGeom prst="rect">
+            <a:avLst/>
+          </a:prstGeom>
+          <a:noFill/>
+        </p:spPr>
+        <p:txBody>
+          <a:bodyPr wrap="none" rtlCol="0">
+            <a:spAutoFit/>
+          </a:bodyPr>
+          <a:lstStyle/>
+          <a:p>
+            <a:pPr marL="0" marR="0" lvl="0" indent="0" algn="r" defTabSz="914400" rtl="0" eaLnBrk="1" fontAlgn="auto" latinLnBrk="0" hangingPunct="1">
+              <a:lnSpc>
+                <a:spcPct val="100000"/>
+              </a:lnSpc>
+              <a:spcBef>
+                <a:spcPts val="0"/>
+              </a:spcBef>
+              <a:spcAft>
+                <a:spcPts val="0"/>
+              </a:spcAft>
+              <a:buClrTx/>
+              <a:buSzTx/>
+              <a:buFontTx/>
+              <a:buNone/>
+              <a:defRPr/>
+            </a:pPr>
+            <a:r>
+              <a:rPr kumimoji="1" lang="zh-CN" altLang="en-US" sz="3200" b="0" i="0" u="none" strike="noStrike" kern="1200" cap="none" spc="0" normalizeH="0" baseline="0" noProof="0" dirty="0">
+                <a:ln>
+                  <a:noFill/>
+                </a:ln>
+                <a:solidFill>
+                  <a:srgbClr val="44546A"/>
+                </a:solidFill>
+                <a:effectLst/>
+                <a:uLnTx/>
+                <a:uFillTx/>
+                <a:cs typeface="+mn-ea"/>
+                <a:sym typeface="+mn-lt"/>
+              </a:rPr>
+              <a:t>谢谢大家</a:t>
+            </a:r>
+            <a:endParaRPr kumimoji="1" lang="zh-CN" altLang="en-US" sz="3200" b="0" i="0" u="none" strike="noStrike" kern="1200" cap="none" spc="0" normalizeH="0" baseline="0" noProof="0" dirty="0">
+              <a:ln>
+                <a:noFill/>
+              </a:ln>
+              <a:solidFill>
+                <a:srgbClr val="44546A"/>
+              </a:solidFill>
+              <a:effectLst/>
+              <a:uLnTx/>
+              <a:uFillTx/>
+              <a:cs typeface="+mn-ea"/>
+              <a:sym typeface="+mn-lt"/>
+            </a:endParaRPr>
+          </a:p>
+        </p:txBody>
+      </p:sp>
+      <p:sp>
+        <p:nvSpPr>
+          <p:cNvPr id="22" name="圆角矩形 21"/>
+          <p:cNvSpPr/>
+          <p:nvPr/>
+        </p:nvSpPr>
+        <p:spPr>
+          <a:xfrm>
+            <a:off x="6255843" y="4972111"/>
+            <a:ext cx="209070" cy="209070"/>
+          </a:xfrm>
+          <a:prstGeom prst="flowChartConnector">
+            <a:avLst/>
+          </a:prstGeom>
+          <a:solidFill>
+            <a:schemeClr val="bg1">
+              <a:lumMod val="85000"/>
+              <a:alpha val="70000"/>
+            </a:schemeClr>
+          </a:solidFill>
+          <a:ln>
+            <a:noFill/>
+          </a:ln>
+        </p:spPr>
+        <p:style>
+          <a:lnRef idx="2">
+            <a:schemeClr val="accent1">
+              <a:shade val="50000"/>
+            </a:schemeClr>
+          </a:lnRef>
+          <a:fillRef idx="1">
+            <a:schemeClr val="accent1"/>
+          </a:fillRef>
+          <a:effectRef idx="0">
+            <a:schemeClr val="accent1"/>
+          </a:effectRef>
+          <a:fontRef idx="minor">
+            <a:schemeClr val="lt1"/>
+          </a:fontRef>
+        </p:style>
+        <p:txBody>
+          <a:bodyPr rtlCol="0" anchor="ctr"/>
+          <a:lstStyle/>
+          <a:p>
+            <a:pPr marL="0" marR="0" lvl="0" indent="0" algn="ctr" defTabSz="914400" rtl="0" eaLnBrk="1" fontAlgn="auto" latinLnBrk="0" hangingPunct="1">
+              <a:lnSpc>
+                <a:spcPct val="100000"/>
+              </a:lnSpc>
+              <a:spcBef>
+                <a:spcPts val="0"/>
+              </a:spcBef>
+              <a:spcAft>
+                <a:spcPts val="0"/>
+              </a:spcAft>
+              <a:buClrTx/>
+              <a:buSzTx/>
+              <a:buFontTx/>
+              <a:buNone/>
+              <a:defRPr/>
+            </a:pPr>
+            <a:endParaRPr kumimoji="1" lang="zh-CN" altLang="en-US" sz="1800" b="0" i="0" u="none" strike="noStrike" kern="1200" cap="none" spc="0" normalizeH="0" baseline="0" noProof="0">
+              <a:ln>
+                <a:noFill/>
+              </a:ln>
+              <a:solidFill>
+                <a:prstClr val="white"/>
+              </a:solidFill>
+              <a:effectLst/>
+              <a:uLnTx/>
+              <a:uFillTx/>
+              <a:cs typeface="+mn-ea"/>
+              <a:sym typeface="+mn-lt"/>
+            </a:endParaRPr>
+          </a:p>
+        </p:txBody>
+      </p:sp>
+    </p:spTree>
+  </p:cSld>
+  <p:clrMapOvr>
+    <a:masterClrMapping/>
+  </p:clrMapOvr>
+  <mc:AlternateContent xmlns:mc="http://schemas.openxmlformats.org/markup-compatibility/2006">
+    <mc:Choice xmlns:p14="http://schemas.microsoft.com/office/powerpoint/2010/main" Requires="p14">
+      <p:transition p14:dur="0"/>
+    </mc:Choice>
+    <mc:Fallback>
+      <p:transition/>
+    </mc:Fallback>
+  </mc:AlternateContent>
+  <p:timing>
+    <p:tnLst>
+      <p:par>
+        <p:cTn id="1" dur="indefinite" restart="never" nodeType="tmRoot">
+          <p:childTnLst>
+            <p:seq concurrent="1" nextAc="seek">
+              <p:cTn id="2" dur="indefinite" nodeType="mainSeq">
+                <p:childTnLst>
+                  <p:par>
+                    <p:cTn id="3" fill="hold">
+                      <p:stCondLst>
+                        <p:cond delay="indefinite"/>
+                      </p:stCondLst>
+                      <p:childTnLst>
+                        <p:par>
+                          <p:cTn id="4" fill="hold">
+                            <p:stCondLst>
+                              <p:cond delay="0"/>
+                            </p:stCondLst>
+                            <p:childTnLst>
+                              <p:par>
+                                <p:cTn id="5" presetID="5" presetClass="entr" presetSubtype="10" fill="hold" grpId="0" nodeType="clickEffect">
+                                  <p:stCondLst>
+                                    <p:cond delay="0"/>
+                                  </p:stCondLst>
+                                  <p:childTnLst>
+                                    <p:set>
+                                      <p:cBhvr>
+                                        <p:cTn id="6" dur="1" fill="hold">
+                                          <p:stCondLst>
+                                            <p:cond delay="0"/>
+                                          </p:stCondLst>
+                                        </p:cTn>
+                                        <p:tgtEl>
+                                          <p:spTgt spid="2"/>
+                                        </p:tgtEl>
+                                        <p:attrNameLst>
+                                          <p:attrName>style.visibility</p:attrName>
+                                        </p:attrNameLst>
+                                      </p:cBhvr>
+                                      <p:to>
+                                        <p:strVal val="visible"/>
+                                      </p:to>
+                                    </p:set>
+                                    <p:animEffect transition="in" filter="checkerboard(across)">
+                                      <p:cBhvr>
+                                        <p:cTn id="7" dur="500"/>
+                                        <p:tgtEl>
+                                          <p:spTgt spid="2"/>
+                                        </p:tgtEl>
+                                      </p:cBhvr>
+                                    </p:animEffect>
+                                  </p:childTnLst>
+                                </p:cTn>
+                              </p:par>
+                              <p:par>
+                                <p:cTn id="8" presetID="5" presetClass="entr" presetSubtype="10" fill="hold" grpId="0" nodeType="withEffect">
+                                  <p:stCondLst>
+                                    <p:cond delay="0"/>
+                                  </p:stCondLst>
+                                  <p:childTnLst>
+                                    <p:set>
+                                      <p:cBhvr>
+                                        <p:cTn id="9" dur="1" fill="hold">
+                                          <p:stCondLst>
+                                            <p:cond delay="0"/>
+                                          </p:stCondLst>
+                                        </p:cTn>
+                                        <p:tgtEl>
+                                          <p:spTgt spid="10"/>
+                                        </p:tgtEl>
+                                        <p:attrNameLst>
+                                          <p:attrName>style.visibility</p:attrName>
+                                        </p:attrNameLst>
+                                      </p:cBhvr>
+                                      <p:to>
+                                        <p:strVal val="visible"/>
+                                      </p:to>
+                                    </p:set>
+                                    <p:animEffect transition="in" filter="checkerboard(across)">
+                                      <p:cBhvr>
+                                        <p:cTn id="10" dur="500"/>
+                                        <p:tgtEl>
+                                          <p:spTgt spid="10"/>
+                                        </p:tgtEl>
+                                      </p:cBhvr>
+                                    </p:animEffect>
+                                  </p:childTnLst>
+                                </p:cTn>
+                              </p:par>
+                              <p:par>
+                                <p:cTn id="11" presetID="5" presetClass="entr" presetSubtype="10" fill="hold" grpId="0" nodeType="withEffect">
+                                  <p:stCondLst>
+                                    <p:cond delay="0"/>
+                                  </p:stCondLst>
+                                  <p:childTnLst>
+                                    <p:set>
+                                      <p:cBhvr>
+                                        <p:cTn id="12" dur="1" fill="hold">
+                                          <p:stCondLst>
+                                            <p:cond delay="0"/>
+                                          </p:stCondLst>
+                                        </p:cTn>
+                                        <p:tgtEl>
+                                          <p:spTgt spid="11"/>
+                                        </p:tgtEl>
+                                        <p:attrNameLst>
+                                          <p:attrName>style.visibility</p:attrName>
+                                        </p:attrNameLst>
+                                      </p:cBhvr>
+                                      <p:to>
+                                        <p:strVal val="visible"/>
+                                      </p:to>
+                                    </p:set>
+                                    <p:animEffect transition="in" filter="checkerboard(across)">
+                                      <p:cBhvr>
+                                        <p:cTn id="13" dur="500"/>
+                                        <p:tgtEl>
+                                          <p:spTgt spid="11"/>
+                                        </p:tgtEl>
+                                      </p:cBhvr>
+                                    </p:animEffect>
+                                  </p:childTnLst>
+                                </p:cTn>
+                              </p:par>
+                              <p:par>
+                                <p:cTn id="14" presetID="5" presetClass="entr" presetSubtype="10" fill="hold" grpId="0" nodeType="withEffect">
+                                  <p:stCondLst>
+                                    <p:cond delay="0"/>
+                                  </p:stCondLst>
+                                  <p:childTnLst>
+                                    <p:set>
+                                      <p:cBhvr>
+                                        <p:cTn id="15" dur="1" fill="hold">
+                                          <p:stCondLst>
+                                            <p:cond delay="0"/>
+                                          </p:stCondLst>
+                                        </p:cTn>
+                                        <p:tgtEl>
+                                          <p:spTgt spid="22"/>
+                                        </p:tgtEl>
+                                        <p:attrNameLst>
+                                          <p:attrName>style.visibility</p:attrName>
+                                        </p:attrNameLst>
+                                      </p:cBhvr>
+                                      <p:to>
+                                        <p:strVal val="visible"/>
+                                      </p:to>
+                                    </p:set>
+                                    <p:animEffect transition="in" filter="checkerboard(across)">
+                                      <p:cBhvr>
+                                        <p:cTn id="16" dur="500"/>
+                                        <p:tgtEl>
+                                          <p:spTgt spid="22"/>
+                                        </p:tgtEl>
+                                      </p:cBhvr>
+                                    </p:animEffect>
+                                  </p:childTnLst>
+                                </p:cTn>
+                              </p:par>
+                            </p:childTnLst>
+                          </p:cTn>
+                        </p:par>
+                      </p:childTnLst>
+                    </p:cTn>
+                  </p:par>
+                  <p:par>
+                    <p:cTn id="17" fill="hold">
+                      <p:stCondLst>
+                        <p:cond delay="indefinite"/>
+                      </p:stCondLst>
+                      <p:childTnLst>
+                        <p:par>
+                          <p:cTn id="18" fill="hold">
+                            <p:stCondLst>
+                              <p:cond delay="0"/>
+                            </p:stCondLst>
+                            <p:childTnLst>
+                              <p:par>
+                                <p:cTn id="19" presetID="3" presetClass="entr" presetSubtype="10" fill="hold" nodeType="clickEffect">
+                                  <p:stCondLst>
+                                    <p:cond delay="0"/>
+                                  </p:stCondLst>
+                                  <p:childTnLst>
+                                    <p:set>
+                                      <p:cBhvr>
+                                        <p:cTn id="20" dur="1" fill="hold">
+                                          <p:stCondLst>
+                                            <p:cond delay="0"/>
+                                          </p:stCondLst>
+                                        </p:cTn>
+                                        <p:tgtEl>
+                                          <p:spTgt spid="9"/>
+                                        </p:tgtEl>
+                                        <p:attrNameLst>
+                                          <p:attrName>style.visibility</p:attrName>
+                                        </p:attrNameLst>
+                                      </p:cBhvr>
+                                      <p:to>
+                                        <p:strVal val="visible"/>
+                                      </p:to>
+                                    </p:set>
+                                    <p:animEffect transition="in" filter="blinds(horizontal)">
+                                      <p:cBhvr>
+                                        <p:cTn id="21" dur="500"/>
+                                        <p:tgtEl>
+                                          <p:spTgt spid="9"/>
+                                        </p:tgtEl>
+                                      </p:cBhvr>
+                                    </p:animEffect>
+                                  </p:childTnLst>
+                                </p:cTn>
+                              </p:par>
+                              <p:par>
+                                <p:cTn id="22" presetID="3" presetClass="entr" presetSubtype="10" fill="hold" grpId="0" nodeType="withEffect">
+                                  <p:stCondLst>
+                                    <p:cond delay="0"/>
+                                  </p:stCondLst>
+                                  <p:childTnLst>
+                                    <p:set>
+                                      <p:cBhvr>
+                                        <p:cTn id="23" dur="1" fill="hold">
+                                          <p:stCondLst>
+                                            <p:cond delay="0"/>
+                                          </p:stCondLst>
+                                        </p:cTn>
+                                        <p:tgtEl>
+                                          <p:spTgt spid="15"/>
+                                        </p:tgtEl>
+                                        <p:attrNameLst>
+                                          <p:attrName>style.visibility</p:attrName>
+                                        </p:attrNameLst>
+                                      </p:cBhvr>
+                                      <p:to>
+                                        <p:strVal val="visible"/>
+                                      </p:to>
+                                    </p:set>
+                                    <p:animEffect transition="in" filter="blinds(horizontal)">
+                                      <p:cBhvr>
+                                        <p:cTn id="24" dur="500"/>
+                                        <p:tgtEl>
+                                          <p:spTgt spid="15"/>
+                                        </p:tgtEl>
+                                      </p:cBhvr>
+                                    </p:animEffect>
+                                  </p:childTnLst>
+                                </p:cTn>
+                              </p:par>
+                            </p:childTnLst>
+                          </p:cTn>
+                        </p:par>
+                      </p:childTnLst>
+                    </p:cTn>
+                  </p:par>
+                </p:childTnLst>
+              </p:cTn>
+              <p:prevCondLst>
+                <p:cond evt="onPrev" delay="0">
+                  <p:tgtEl>
+                    <p:sldTgt/>
+                  </p:tgtEl>
+                </p:cond>
+              </p:prevCondLst>
+              <p:nextCondLst>
+                <p:cond evt="onNext" delay="0">
+                  <p:tgtEl>
+                    <p:sldTgt/>
+                  </p:tgtEl>
+                </p:cond>
+              </p:nextCondLst>
+            </p:seq>
+          </p:childTnLst>
+        </p:cTn>
+      </p:par>
+    </p:tnLst>
+    <p:bldLst>
+      <p:bldP spid="2" grpId="0" animBg="1"/>
+      <p:bldP spid="10" grpId="0" animBg="1"/>
+      <p:bldP spid="11" grpId="0" animBg="1"/>
+      <p:bldP spid="15" grpId="0"/>
+      <p:bldP spid="22" grpId="0" animBg="1"/>
+    </p:bldLst>
+  </p:timing>
+</p:sld>
+</file>
+
 <file path=ppt/slides/slide3.xml><?xml version="1.0" encoding="utf-8"?>
 <p:sld xmlns:a="http://schemas.openxmlformats.org/drawingml/2006/main" xmlns:r="http://schemas.openxmlformats.org/officeDocument/2006/relationships" xmlns:p="http://schemas.openxmlformats.org/presentationml/2006/main">
   <p:cSld>
@@ -10178,6 +10658,19 @@
               </a:rPr>
               <a:t>介绍</a:t>
             </a:r>
+            <a:endParaRPr kumimoji="1" lang="zh-CN" altLang="en-US" sz="2400" b="0" i="0" u="none" strike="noStrike" kern="1200" cap="none" spc="0" normalizeH="0" baseline="0" noProof="0">
+              <a:ln>
+                <a:noFill/>
+              </a:ln>
+              <a:solidFill>
+                <a:srgbClr val="44546A"/>
+              </a:solidFill>
+              <a:effectLst/>
+              <a:uLnTx/>
+              <a:uFillTx/>
+              <a:cs typeface="+mn-ea"/>
+              <a:sym typeface="+mn-lt"/>
+            </a:endParaRPr>
           </a:p>
         </p:txBody>
       </p:sp>
@@ -10189,8 +10682,8 @@
         </p:nvSpPr>
         <p:spPr>
           <a:xfrm>
-            <a:off x="669290" y="1374140"/>
-            <a:ext cx="11150600" cy="5074285"/>
+            <a:off x="659130" y="1150620"/>
+            <a:ext cx="11150600" cy="5330825"/>
           </a:xfrm>
           <a:prstGeom prst="rect">
             <a:avLst/>
@@ -10306,144 +10799,6 @@
               <a:buSzTx/>
               <a:buNone/>
             </a:pPr>
-            <a:r>
-              <a:rPr lang="en-US" altLang="zh-CN" spc="150">
-                <a:solidFill>
-                  <a:schemeClr val="tx1">
-                    <a:lumMod val="85000"/>
-                    <a:lumOff val="15000"/>
-                  </a:schemeClr>
-                </a:solidFill>
-                <a:uFillTx/>
-                <a:cs typeface="等线" panose="02010600030101010101" charset="-122"/>
-                <a:sym typeface="微软雅黑" panose="020B0503020204020204" charset="-122"/>
-              </a:rPr>
-              <a:t>1</a:t>
-            </a:r>
-            <a:r>
-              <a:rPr lang="zh-CN" altLang="en-US" spc="150">
-                <a:solidFill>
-                  <a:schemeClr val="tx1">
-                    <a:lumMod val="85000"/>
-                    <a:lumOff val="15000"/>
-                  </a:schemeClr>
-                </a:solidFill>
-                <a:uFillTx/>
-                <a:cs typeface="等线" panose="02010600030101010101" charset="-122"/>
-                <a:sym typeface="微软雅黑" panose="020B0503020204020204" charset="-122"/>
-              </a:rPr>
-              <a:t>、实现了基于网页的视频会议，目的是在浏览器只需要简单的javascript编码就可以达到实时通讯能力</a:t>
-            </a:r>
-            <a:endParaRPr kumimoji="0" lang="zh-CN" altLang="en-US" b="0" i="0" u="none" strike="noStrike" kern="1200" cap="none" spc="150" normalizeH="0" baseline="0" noProof="1">
-              <a:solidFill>
-                <a:schemeClr val="tx1">
-                  <a:lumMod val="85000"/>
-                  <a:lumOff val="15000"/>
-                </a:schemeClr>
-              </a:solidFill>
-              <a:uFillTx/>
-              <a:cs typeface="等线" panose="02010600030101010101" charset="-122"/>
-              <a:sym typeface="微软雅黑" panose="020B0503020204020204" charset="-122"/>
-            </a:endParaRPr>
-          </a:p>
-          <a:p>
-            <a:pPr marL="0" marR="0" indent="0" algn="l" defTabSz="685800" rtl="0" eaLnBrk="1" fontAlgn="auto" latinLnBrk="0" hangingPunct="1">
-              <a:lnSpc>
-                <a:spcPct val="130000"/>
-              </a:lnSpc>
-              <a:spcBef>
-                <a:spcPts val="0"/>
-              </a:spcBef>
-              <a:spcAft>
-                <a:spcPts val="1000"/>
-              </a:spcAft>
-              <a:buClrTx/>
-              <a:buSzTx/>
-              <a:buNone/>
-            </a:pPr>
-            <a:r>
-              <a:rPr lang="en-US" altLang="zh-CN" spc="150">
-                <a:solidFill>
-                  <a:schemeClr val="tx1">
-                    <a:lumMod val="85000"/>
-                    <a:lumOff val="15000"/>
-                  </a:schemeClr>
-                </a:solidFill>
-                <a:uFillTx/>
-                <a:cs typeface="等线" panose="02010600030101010101" charset="-122"/>
-                <a:sym typeface="微软雅黑" panose="020B0503020204020204" charset="-122"/>
-              </a:rPr>
-              <a:t>2</a:t>
-            </a:r>
-            <a:r>
-              <a:rPr lang="zh-CN" altLang="en-US" spc="150">
-                <a:solidFill>
-                  <a:schemeClr val="tx1">
-                    <a:lumMod val="85000"/>
-                    <a:lumOff val="15000"/>
-                  </a:schemeClr>
-                </a:solidFill>
-                <a:uFillTx/>
-                <a:cs typeface="等线" panose="02010600030101010101" charset="-122"/>
-                <a:sym typeface="微软雅黑" panose="020B0503020204020204" charset="-122"/>
-              </a:rPr>
-              <a:t>、解决 Web 端无法捕获音视频的能力，并且提供了 peer-to-peer（浏览器）的视频交互。</a:t>
-            </a:r>
-            <a:endParaRPr kumimoji="0" lang="zh-CN" altLang="en-US" b="0" i="0" u="none" strike="noStrike" kern="1200" cap="none" spc="150" normalizeH="0" baseline="0" noProof="1">
-              <a:solidFill>
-                <a:schemeClr val="tx1">
-                  <a:lumMod val="85000"/>
-                  <a:lumOff val="15000"/>
-                </a:schemeClr>
-              </a:solidFill>
-              <a:uFillTx/>
-              <a:cs typeface="等线" panose="02010600030101010101" charset="-122"/>
-              <a:sym typeface="微软雅黑" panose="020B0503020204020204" charset="-122"/>
-            </a:endParaRPr>
-          </a:p>
-          <a:p>
-            <a:pPr marL="0" marR="0" indent="0" algn="l" defTabSz="685800" rtl="0" eaLnBrk="1" fontAlgn="auto" latinLnBrk="0" hangingPunct="1">
-              <a:lnSpc>
-                <a:spcPct val="130000"/>
-              </a:lnSpc>
-              <a:spcBef>
-                <a:spcPts val="0"/>
-              </a:spcBef>
-              <a:spcAft>
-                <a:spcPts val="1000"/>
-              </a:spcAft>
-              <a:buClrTx/>
-              <a:buSzTx/>
-              <a:buNone/>
-            </a:pPr>
-            <a:r>
-              <a:rPr lang="en-US" altLang="zh-CN" spc="150">
-                <a:solidFill>
-                  <a:schemeClr val="tx1">
-                    <a:lumMod val="85000"/>
-                    <a:lumOff val="15000"/>
-                  </a:schemeClr>
-                </a:solidFill>
-                <a:uFillTx/>
-                <a:cs typeface="等线" panose="02010600030101010101" charset="-122"/>
-                <a:sym typeface="微软雅黑" panose="020B0503020204020204" charset="-122"/>
-              </a:rPr>
-              <a:t>3</a:t>
-            </a:r>
-            <a:r>
-              <a:rPr lang="zh-CN" altLang="en-US" spc="150">
-                <a:solidFill>
-                  <a:schemeClr val="tx1">
-                    <a:lumMod val="85000"/>
-                    <a:lumOff val="15000"/>
-                  </a:schemeClr>
-                </a:solidFill>
-                <a:uFillTx/>
-                <a:cs typeface="等线" panose="02010600030101010101" charset="-122"/>
-                <a:sym typeface="微软雅黑" panose="020B0503020204020204" charset="-122"/>
-              </a:rPr>
-              <a:t>、汇集了先进的实时通信技术，包括：先进的音视频编解码器（Opus和VP8/9），强制加密协议（SRTP和DTLS）和网络地址转换器（ICE＆STUN）</a:t>
-            </a:r>
             <a:endParaRPr kumimoji="0" lang="zh-CN" altLang="en-US" b="0" i="0" u="none" strike="noStrike" kern="1200" cap="none" spc="150" normalizeH="0" baseline="0" noProof="1">
               <a:solidFill>
                 <a:schemeClr val="tx1">
@@ -10525,49 +10880,6 @@
               <a:buSzTx/>
               <a:buNone/>
             </a:pPr>
-            <a:r>
-              <a:rPr lang="zh-CN" altLang="en-US" spc="150">
-                <a:solidFill>
-                  <a:schemeClr val="tx1">
-                    <a:lumMod val="85000"/>
-                    <a:lumOff val="15000"/>
-                  </a:schemeClr>
-                </a:solidFill>
-                <a:uFillTx/>
-                <a:cs typeface="等线" panose="02010600030101010101" charset="-122"/>
-                <a:sym typeface="微软雅黑" panose="020B0503020204020204" charset="-122"/>
-                <a:hlinkClick r:id="rId3" action="ppaction://hlinkfile"/>
-              </a:rPr>
-              <a:t>WebRTC 标准官方文档</a:t>
-            </a:r>
-            <a:r>
-              <a:rPr lang="zh-CN" altLang="en-US" spc="150">
-                <a:solidFill>
-                  <a:schemeClr val="tx1">
-                    <a:lumMod val="85000"/>
-                    <a:lumOff val="15000"/>
-                  </a:schemeClr>
-                </a:solidFill>
-                <a:uFillTx/>
-                <a:cs typeface="等线" panose="02010600030101010101" charset="-122"/>
-                <a:sym typeface="微软雅黑" panose="020B0503020204020204" charset="-122"/>
-              </a:rPr>
-              <a:t>：</a:t>
-            </a:r>
-            <a:r>
-              <a:rPr lang="zh-CN" altLang="en-US" sz="1400" spc="150">
-                <a:solidFill>
-                  <a:schemeClr val="tx1">
-                    <a:lumMod val="85000"/>
-                    <a:lumOff val="15000"/>
-                  </a:schemeClr>
-                </a:solidFill>
-                <a:uFillTx/>
-                <a:cs typeface="等线" panose="02010600030101010101" charset="-122"/>
-                <a:sym typeface="微软雅黑" panose="020B0503020204020204" charset="-122"/>
-              </a:rPr>
-              <a:t>https://w3c.github.io/webrtc-pc/</a:t>
-            </a:r>
             <a:endParaRPr kumimoji="0" lang="zh-CN" altLang="en-US" b="0" i="0" u="none" strike="noStrike" kern="1200" cap="none" spc="150" normalizeH="0" baseline="0" noProof="1">
               <a:solidFill>
                 <a:schemeClr val="tx1">
@@ -10595,6 +10907,115 @@
               <a:buSzTx/>
               <a:buNone/>
             </a:pPr>
+            <a:endParaRPr kumimoji="0" lang="zh-CN" altLang="en-US" b="0" i="0" u="none" strike="noStrike" kern="1200" cap="none" spc="150" normalizeH="0" baseline="0" noProof="1">
+              <a:solidFill>
+                <a:schemeClr val="tx1">
+                  <a:lumMod val="85000"/>
+                  <a:lumOff val="15000"/>
+                </a:schemeClr>
+              </a:solidFill>
+              <a:uFillTx/>
+              <a:cs typeface="等线" panose="02010600030101010101" charset="-122"/>
+              <a:sym typeface="微软雅黑" panose="020B0503020204020204" charset="-122"/>
+            </a:endParaRPr>
+          </a:p>
+          <a:p>
+            <a:pPr marL="0" marR="0" indent="0" algn="l" defTabSz="685800" rtl="0" eaLnBrk="1" fontAlgn="auto" latinLnBrk="0" hangingPunct="1">
+              <a:lnSpc>
+                <a:spcPct val="130000"/>
+              </a:lnSpc>
+              <a:spcBef>
+                <a:spcPts val="0"/>
+              </a:spcBef>
+              <a:spcAft>
+                <a:spcPts val="1000"/>
+              </a:spcAft>
+              <a:buClrTx/>
+              <a:buSzTx/>
+              <a:buNone/>
+            </a:pPr>
+            <a:r>
+              <a:rPr kumimoji="0" lang="zh-CN" altLang="en-US" b="0" i="0" u="none" strike="noStrike" kern="1200" cap="none" spc="150" normalizeH="0" baseline="0" noProof="1">
+                <a:solidFill>
+                  <a:schemeClr val="tx1">
+                    <a:lumMod val="85000"/>
+                    <a:lumOff val="15000"/>
+                  </a:schemeClr>
+                </a:solidFill>
+                <a:uFillTx/>
+                <a:cs typeface="等线" panose="02010600030101010101" charset="-122"/>
+                <a:sym typeface="微软雅黑" panose="020B0503020204020204" charset="-122"/>
+              </a:rPr>
+              <a:t>WebRTC已经纳入HTML5标准</a:t>
+            </a:r>
+            <a:endParaRPr kumimoji="0" lang="zh-CN" altLang="en-US" b="0" i="0" u="none" strike="noStrike" kern="1200" cap="none" spc="150" normalizeH="0" baseline="0" noProof="1">
+              <a:solidFill>
+                <a:schemeClr val="tx1">
+                  <a:lumMod val="85000"/>
+                  <a:lumOff val="15000"/>
+                </a:schemeClr>
+              </a:solidFill>
+              <a:uFillTx/>
+              <a:cs typeface="等线" panose="02010600030101010101" charset="-122"/>
+              <a:sym typeface="微软雅黑" panose="020B0503020204020204" charset="-122"/>
+            </a:endParaRPr>
+          </a:p>
+          <a:p>
+            <a:pPr marL="0" marR="0" indent="0" algn="l" defTabSz="685800" rtl="0" eaLnBrk="1" fontAlgn="auto" latinLnBrk="0" hangingPunct="1">
+              <a:lnSpc>
+                <a:spcPct val="130000"/>
+              </a:lnSpc>
+              <a:spcBef>
+                <a:spcPts val="0"/>
+              </a:spcBef>
+              <a:spcAft>
+                <a:spcPts val="1000"/>
+              </a:spcAft>
+              <a:buClrTx/>
+              <a:buSzTx/>
+              <a:buNone/>
+            </a:pPr>
+            <a:r>
+              <a:rPr kumimoji="0" lang="zh-CN" altLang="en-US" b="0" i="0" u="none" strike="noStrike" kern="1200" cap="none" spc="150" normalizeH="0" baseline="0" noProof="1">
+                <a:solidFill>
+                  <a:schemeClr val="tx1">
+                    <a:lumMod val="85000"/>
+                    <a:lumOff val="15000"/>
+                  </a:schemeClr>
+                </a:solidFill>
+                <a:uFillTx/>
+                <a:cs typeface="等线" panose="02010600030101010101" charset="-122"/>
+                <a:sym typeface="微软雅黑" panose="020B0503020204020204" charset="-122"/>
+              </a:rPr>
+              <a:t>目前支持WebRTC协议的浏览器有：Chrome、Firefox Opera</a:t>
+            </a:r>
+            <a:endParaRPr kumimoji="0" lang="zh-CN" altLang="en-US" b="0" i="0" u="none" strike="noStrike" kern="1200" cap="none" spc="150" normalizeH="0" baseline="0" noProof="1">
+              <a:solidFill>
+                <a:schemeClr val="tx1">
+                  <a:lumMod val="85000"/>
+                  <a:lumOff val="15000"/>
+                </a:schemeClr>
+              </a:solidFill>
+              <a:uFillTx/>
+              <a:cs typeface="等线" panose="02010600030101010101" charset="-122"/>
+              <a:sym typeface="微软雅黑" panose="020B0503020204020204" charset="-122"/>
+            </a:endParaRPr>
+          </a:p>
+          <a:p>
+            <a:pPr marL="0" marR="0" indent="0" algn="l" defTabSz="685800" rtl="0" eaLnBrk="1" fontAlgn="auto" latinLnBrk="0" hangingPunct="1">
+              <a:lnSpc>
+                <a:spcPct val="130000"/>
+              </a:lnSpc>
+              <a:spcBef>
+                <a:spcPts val="0"/>
+              </a:spcBef>
+              <a:spcAft>
+                <a:spcPts val="1000"/>
+              </a:spcAft>
+              <a:buClrTx/>
+              <a:buSzTx/>
+              <a:buNone/>
+            </a:pPr>
             <a:r>
               <a:rPr lang="zh-CN" altLang="en-US" spc="150">
                 <a:solidFill>
@@ -10606,9 +11027,9 @@
                 <a:uFillTx/>
                 <a:cs typeface="等线" panose="02010600030101010101" charset="-122"/>
                 <a:sym typeface="微软雅黑" panose="020B0503020204020204" charset="-122"/>
-                <a:hlinkClick r:id="rId4" action="ppaction://hlinkfile"/>
+                <a:hlinkClick r:id="rId1" action="ppaction://hlinkfile"/>
               </a:rPr>
-              <a:t>WebRTC协议介绍</a:t>
+              <a:t>WebRTC 标准官方文档</a:t>
             </a:r>
             <a:r>
               <a:rPr lang="zh-CN" altLang="en-US" spc="150">
@@ -10636,17 +11057,119 @@
                 <a:cs typeface="等线" panose="02010600030101010101" charset="-122"/>
                 <a:sym typeface="微软雅黑" panose="020B0503020204020204" charset="-122"/>
               </a:rPr>
+              <a:t>https://w3c.github.io/webrtc-pc/</a:t>
+            </a:r>
+            <a:endParaRPr kumimoji="0" lang="zh-CN" altLang="en-US" b="0" i="0" u="none" strike="noStrike" kern="1200" cap="none" spc="150" normalizeH="0" baseline="0" noProof="1">
+              <a:solidFill>
+                <a:schemeClr val="tx1">
+                  <a:lumMod val="85000"/>
+                  <a:lumOff val="15000"/>
+                </a:schemeClr>
+              </a:solidFill>
+              <a:uFillTx/>
+              <a:cs typeface="等线" panose="02010600030101010101" charset="-122"/>
+              <a:sym typeface="微软雅黑" panose="020B0503020204020204" charset="-122"/>
+            </a:endParaRPr>
+          </a:p>
+          <a:p>
+            <a:pPr marL="0" marR="0" indent="0" algn="l" defTabSz="685800" rtl="0" eaLnBrk="1" fontAlgn="auto" latinLnBrk="0" hangingPunct="1">
+              <a:lnSpc>
+                <a:spcPct val="130000"/>
+              </a:lnSpc>
+              <a:spcBef>
+                <a:spcPts val="0"/>
+              </a:spcBef>
+              <a:spcAft>
+                <a:spcPts val="1000"/>
+              </a:spcAft>
+              <a:buClrTx/>
+              <a:buSzTx/>
+              <a:buNone/>
+            </a:pPr>
+            <a:r>
+              <a:rPr lang="zh-CN" altLang="en-US" spc="150">
+                <a:solidFill>
+                  <a:schemeClr val="tx1">
+                    <a:lumMod val="85000"/>
+                    <a:lumOff val="15000"/>
+                  </a:schemeClr>
+                </a:solidFill>
+                <a:uFillTx/>
+                <a:cs typeface="等线" panose="02010600030101010101" charset="-122"/>
+                <a:sym typeface="微软雅黑" panose="020B0503020204020204" charset="-122"/>
+                <a:hlinkClick r:id="rId2" action="ppaction://hlinkfile"/>
+              </a:rPr>
+              <a:t>WebRTC协议介绍</a:t>
+            </a:r>
+            <a:r>
+              <a:rPr lang="zh-CN" altLang="en-US" spc="150">
+                <a:solidFill>
+                  <a:schemeClr val="tx1">
+                    <a:lumMod val="85000"/>
+                    <a:lumOff val="15000"/>
+                  </a:schemeClr>
+                </a:solidFill>
+                <a:uFillTx/>
+                <a:cs typeface="等线" panose="02010600030101010101" charset="-122"/>
+                <a:sym typeface="微软雅黑" panose="020B0503020204020204" charset="-122"/>
+              </a:rPr>
+              <a:t>：</a:t>
+            </a:r>
+            <a:r>
+              <a:rPr lang="zh-CN" altLang="en-US" sz="1400" spc="150">
+                <a:solidFill>
+                  <a:schemeClr val="tx1">
+                    <a:lumMod val="85000"/>
+                    <a:lumOff val="15000"/>
+                  </a:schemeClr>
+                </a:solidFill>
+                <a:uFillTx/>
+                <a:cs typeface="等线" panose="02010600030101010101" charset="-122"/>
+                <a:sym typeface="微软雅黑" panose="020B0503020204020204" charset="-122"/>
+              </a:rPr>
               <a:t>https://developer.mozilla.org/zhCN/docs/Web/API/WebRTC_API/Protocols</a:t>
             </a:r>
             <a:endParaRPr lang="zh-CN" altLang="en-US"/>
           </a:p>
         </p:txBody>
       </p:sp>
+      <p:pic>
+        <p:nvPicPr>
+          <p:cNvPr id="4" name="图片 3"/>
+          <p:cNvPicPr>
+            <a:picLocks noChangeAspect="1"/>
+          </p:cNvPicPr>
+          <p:nvPr/>
+        </p:nvPicPr>
+        <p:blipFill>
+          <a:blip r:embed="rId3"/>
+          <a:stretch>
+            <a:fillRect/>
+          </a:stretch>
+        </p:blipFill>
+        <p:spPr>
+          <a:xfrm>
+            <a:off x="785495" y="2043430"/>
+            <a:ext cx="9625330" cy="1860550"/>
+          </a:xfrm>
+          <a:prstGeom prst="rect">
+            <a:avLst/>
+          </a:prstGeom>
+        </p:spPr>
+      </p:pic>
     </p:spTree>
   </p:cSld>
   <p:clrMapOvr>
     <a:masterClrMapping/>
   </p:clrMapOvr>
+  <mc:AlternateContent xmlns:mc="http://schemas.openxmlformats.org/markup-compatibility/2006">
+    <mc:Choice xmlns:p14="http://schemas.microsoft.com/office/powerpoint/2010/main" Requires="p14">
+      <p:transition spd="slow" p14:dur="2000" advTm="3000"/>
+    </mc:Choice>
+    <mc:Fallback>
+      <p:transition spd="slow" advTm="3000"/>
+    </mc:Fallback>
+  </mc:AlternateContent>
 </p:sld>
 </file>
 
@@ -10737,6 +11260,19 @@
               </a:rPr>
               <a:t>使用场景</a:t>
             </a:r>
+            <a:endParaRPr kumimoji="1" lang="zh-CN" altLang="en-US" sz="2400" b="0" i="0" u="none" strike="noStrike" kern="1200" cap="none" spc="0" normalizeH="0" baseline="0" noProof="0">
+              <a:ln>
+                <a:noFill/>
+              </a:ln>
+              <a:solidFill>
+                <a:srgbClr val="44546A"/>
+              </a:solidFill>
+              <a:effectLst/>
+              <a:uLnTx/>
+              <a:uFillTx/>
+              <a:cs typeface="+mn-ea"/>
+              <a:sym typeface="+mn-lt"/>
+            </a:endParaRPr>
           </a:p>
         </p:txBody>
       </p:sp>
@@ -12343,6 +12879,13 @@
                 </a:rPr>
                 <a:t>01</a:t>
               </a:r>
+              <a:endParaRPr lang="en-US" sz="1325" dirty="0">
+                <a:solidFill>
+                  <a:prstClr val="white"/>
+                </a:solidFill>
+                <a:cs typeface="+mn-ea"/>
+                <a:sym typeface="+mn-lt"/>
+              </a:endParaRPr>
             </a:p>
           </p:txBody>
         </p:sp>
@@ -12518,6 +13061,13 @@
                 </a:rPr>
                 <a:t>02</a:t>
               </a:r>
+              <a:endParaRPr lang="en-US" sz="1325" dirty="0">
+                <a:solidFill>
+                  <a:prstClr val="white"/>
+                </a:solidFill>
+                <a:cs typeface="+mn-ea"/>
+                <a:sym typeface="+mn-lt"/>
+              </a:endParaRPr>
             </a:p>
           </p:txBody>
         </p:sp>
@@ -12650,6 +13200,13 @@
                 </a:rPr>
                 <a:t>03</a:t>
               </a:r>
+              <a:endParaRPr lang="en-US" sz="1325" dirty="0">
+                <a:solidFill>
+                  <a:prstClr val="white"/>
+                </a:solidFill>
+                <a:cs typeface="+mn-ea"/>
+                <a:sym typeface="+mn-lt"/>
+              </a:endParaRPr>
             </a:p>
           </p:txBody>
         </p:sp>
@@ -12710,8 +13267,16 @@
   <p:clrMapOvr>
     <a:masterClrMapping/>
   </p:clrMapOvr>
-  <mc:AlternateContent xmlns:mc="http://schemas.openxmlformats.org/markup-compatibility/2006" xmlns:p14="http://schemas.microsoft.com/office/powerpoint/2010/main">
-    <mc:Choice Requires="p14">
+  <mc:AlternateContent xmlns:mc="http://schemas.openxmlformats.org/markup-compatibility/2006">
+    <mc:Choice xmlns:p14="http://schemas.microsoft.com/office/powerpoint/2010/main" Requires="p14">
+      <p:transition spd="slow" p14:dur="2000" advTm="3000"/>
+    </mc:Choice>
+    <mc:Fallback>
+      <p:transition spd="slow" advTm="3000"/>
+    </mc:Fallback>
+  </mc:AlternateContent>
+  <mc:AlternateContent xmlns:mc="http://schemas.openxmlformats.org/markup-compatibility/2006">
+    <mc:Choice xmlns:p14="http://schemas.microsoft.com/office/powerpoint/2010/main" Requires="p14">
       <p:timing>
         <p:tnLst>
           <p:par>
@@ -13180,7 +13745,7 @@
         </p:bldLst>
       </p:timing>
     </mc:Choice>
-    <mc:Fallback xmlns="">
+    <mc:Fallback>
       <p:timing>
         <p:tnLst>
           <p:par>
@@ -13740,6 +14305,19 @@
               </a:rPr>
               <a:t>架构</a:t>
             </a:r>
+            <a:endParaRPr kumimoji="1" lang="zh-CN" altLang="en-US" sz="2400" b="0" i="0" u="none" strike="noStrike" kern="1200" cap="none" spc="0" normalizeH="0" baseline="0" noProof="0">
+              <a:ln>
+                <a:noFill/>
+              </a:ln>
+              <a:solidFill>
+                <a:srgbClr val="44546A"/>
+              </a:solidFill>
+              <a:effectLst/>
+              <a:uLnTx/>
+              <a:uFillTx/>
+              <a:cs typeface="+mn-ea"/>
+              <a:sym typeface="+mn-lt"/>
+            </a:endParaRPr>
           </a:p>
         </p:txBody>
       </p:sp>
@@ -13756,7 +14334,7 @@
           </p:nvPr>
         </p:nvPicPr>
         <p:blipFill>
-          <a:blip r:embed="rId4"/>
+          <a:blip r:embed="rId2"/>
           <a:stretch>
             <a:fillRect/>
           </a:stretch>
@@ -13798,6 +14376,7 @@
               <a:rPr lang="zh-CN" altLang="en-US" sz="1400"/>
               <a:t>官网架构说明：https://webrtc.github.io/webrtc-org/architecture/</a:t>
             </a:r>
+            <a:endParaRPr lang="zh-CN" altLang="en-US" sz="1400"/>
           </a:p>
         </p:txBody>
       </p:sp>
@@ -13806,6 +14385,14 @@
   <p:clrMapOvr>
     <a:masterClrMapping/>
   </p:clrMapOvr>
+  <mc:AlternateContent xmlns:mc="http://schemas.openxmlformats.org/markup-compatibility/2006">
+    <mc:Choice xmlns:p14="http://schemas.microsoft.com/office/powerpoint/2010/main" Requires="p14">
+      <p:transition spd="slow" p14:dur="2000" advTm="3000"/>
+    </mc:Choice>
+    <mc:Fallback>
+      <p:transition spd="slow" advTm="3000"/>
+    </mc:Fallback>
+  </mc:AlternateContent>
 </p:sld>
 </file>
 
@@ -14184,6 +14771,19 @@
               </a:rPr>
               <a:t>第二部分</a:t>
             </a:r>
+            <a:endParaRPr kumimoji="1" lang="zh-CN" altLang="en-US" sz="2800" b="0" i="0" u="none" strike="noStrike" kern="1200" cap="none" spc="0" normalizeH="0" baseline="0" noProof="0" dirty="0">
+              <a:ln>
+                <a:noFill/>
+              </a:ln>
+              <a:solidFill>
+                <a:srgbClr val="44546A"/>
+              </a:solidFill>
+              <a:effectLst/>
+              <a:uLnTx/>
+              <a:uFillTx/>
+              <a:cs typeface="+mn-ea"/>
+              <a:sym typeface="+mn-lt"/>
+            </a:endParaRPr>
           </a:p>
         </p:txBody>
       </p:sp>
@@ -14357,6 +14957,14 @@
   <p:clrMapOvr>
     <a:masterClrMapping/>
   </p:clrMapOvr>
+  <mc:AlternateContent xmlns:mc="http://schemas.openxmlformats.org/markup-compatibility/2006">
+    <mc:Choice xmlns:p14="http://schemas.microsoft.com/office/powerpoint/2010/main" Requires="p14">
+      <p:transition spd="slow" p14:dur="2000" advTm="3000"/>
+    </mc:Choice>
+    <mc:Fallback>
+      <p:transition spd="slow" advTm="3000"/>
+    </mc:Fallback>
+  </mc:AlternateContent>
   <p:timing>
     <p:tnLst>
       <p:par>
@@ -14533,6 +15141,19 @@
               </a:rPr>
               <a:t>界面</a:t>
             </a:r>
+            <a:endParaRPr kumimoji="1" lang="zh-CN" altLang="en-US" sz="2400" b="0" i="0" u="none" strike="noStrike" kern="1200" cap="none" spc="0" normalizeH="0" baseline="0" noProof="0" dirty="0">
+              <a:ln>
+                <a:noFill/>
+              </a:ln>
+              <a:solidFill>
+                <a:srgbClr val="44546A"/>
+              </a:solidFill>
+              <a:effectLst/>
+              <a:uLnTx/>
+              <a:uFillTx/>
+              <a:cs typeface="+mn-ea"/>
+              <a:sym typeface="+mn-lt"/>
+            </a:endParaRPr>
           </a:p>
         </p:txBody>
       </p:sp>
@@ -14592,20 +15213,14 @@
       </p:sp>
       <p:pic>
         <p:nvPicPr>
-          <p:cNvPr id="6" name="图片 5">
-            <a:extLst>
-              <a:ext uri="{FF2B5EF4-FFF2-40B4-BE49-F238E27FC236}">
-                <a16:creationId xmlns:a16="http://schemas.microsoft.com/office/drawing/2014/main" id="{E0129C36-9F87-40BE-8CB0-10ADF19EF873}"/>
-              </a:ext>
-            </a:extLst>
-          </p:cNvPr>
+          <p:cNvPr id="6" name="图片 5"/>
           <p:cNvPicPr>
             <a:picLocks noChangeAspect="1"/>
           </p:cNvPicPr>
           <p:nvPr/>
         </p:nvPicPr>
         <p:blipFill>
-          <a:blip r:embed="rId3"/>
+          <a:blip r:embed="rId1"/>
           <a:stretch>
             <a:fillRect/>
           </a:stretch>
@@ -14621,15 +15236,18 @@
         </p:spPr>
       </p:pic>
     </p:spTree>
-    <p:extLst>
-      <p:ext uri="{BB962C8B-B14F-4D97-AF65-F5344CB8AC3E}">
-        <p14:creationId xmlns:p14="http://schemas.microsoft.com/office/powerpoint/2010/main" val="618057866"/>
-      </p:ext>
-    </p:extLst>
   </p:cSld>
   <p:clrMapOvr>
     <a:masterClrMapping/>
   </p:clrMapOvr>
+  <mc:AlternateContent xmlns:mc="http://schemas.openxmlformats.org/markup-compatibility/2006">
+    <mc:Choice xmlns:p14="http://schemas.microsoft.com/office/powerpoint/2010/main" Requires="p14">
+      <p:transition spd="slow" p14:dur="2000" advTm="3000"/>
+    </mc:Choice>
+    <mc:Fallback>
+      <p:transition spd="slow" advTm="3000"/>
+    </mc:Fallback>
+  </mc:AlternateContent>
 </p:sld>
 </file>
 
@@ -14652,13 +15270,7 @@
       </p:grpSpPr>
       <p:sp>
         <p:nvSpPr>
-          <p:cNvPr id="9" name="文本框 8">
-            <a:extLst>
-              <a:ext uri="{FF2B5EF4-FFF2-40B4-BE49-F238E27FC236}">
-                <a16:creationId xmlns:a16="http://schemas.microsoft.com/office/drawing/2014/main" id="{DE82167C-754E-465D-A49A-B9E5E79D1AB9}"/>
-              </a:ext>
-            </a:extLst>
-          </p:cNvPr>
+          <p:cNvPr id="9" name="文本框 8"/>
           <p:cNvSpPr txBox="1"/>
           <p:nvPr/>
         </p:nvSpPr>
@@ -14870,19 +15482,30 @@
               </a:rPr>
               <a:t>延迟（比如做直播的时候）</a:t>
             </a:r>
+            <a:endParaRPr lang="zh-CN" altLang="en-US" sz="1600" dirty="0">
+              <a:solidFill>
+                <a:schemeClr val="tx1">
+                  <a:lumMod val="65000"/>
+                  <a:lumOff val="35000"/>
+                </a:schemeClr>
+              </a:solidFill>
+            </a:endParaRPr>
           </a:p>
         </p:txBody>
       </p:sp>
     </p:spTree>
-    <p:extLst>
-      <p:ext uri="{BB962C8B-B14F-4D97-AF65-F5344CB8AC3E}">
-        <p14:creationId xmlns:p14="http://schemas.microsoft.com/office/powerpoint/2010/main" val="1560310440"/>
-      </p:ext>
-    </p:extLst>
   </p:cSld>
   <p:clrMapOvr>
     <a:masterClrMapping/>
   </p:clrMapOvr>
+  <mc:AlternateContent xmlns:mc="http://schemas.openxmlformats.org/markup-compatibility/2006">
+    <mc:Choice xmlns:p14="http://schemas.microsoft.com/office/powerpoint/2010/main" Requires="p14">
+      <p:transition spd="slow" p14:dur="2000" advTm="3000"/>
+    </mc:Choice>
+    <mc:Fallback>
+      <p:transition spd="slow" advTm="3000"/>
+    </mc:Fallback>
+  </mc:AlternateContent>
 </p:sld>
 </file>
 
@@ -14973,6 +15596,19 @@
               </a:rPr>
               <a:t>通信方式</a:t>
             </a:r>
+            <a:endParaRPr kumimoji="1" lang="zh-CN" altLang="en-US" sz="2400" b="0" i="0" u="none" strike="noStrike" kern="1200" cap="none" spc="0" normalizeH="0" baseline="0" noProof="0" dirty="0">
+              <a:ln>
+                <a:noFill/>
+              </a:ln>
+              <a:solidFill>
+                <a:srgbClr val="44546A"/>
+              </a:solidFill>
+              <a:effectLst/>
+              <a:uLnTx/>
+              <a:uFillTx/>
+              <a:cs typeface="+mn-ea"/>
+              <a:sym typeface="+mn-lt"/>
+            </a:endParaRPr>
           </a:p>
         </p:txBody>
       </p:sp>
@@ -15032,20 +15668,14 @@
       </p:sp>
       <p:pic>
         <p:nvPicPr>
-          <p:cNvPr id="9" name="图片 8">
-            <a:extLst>
-              <a:ext uri="{FF2B5EF4-FFF2-40B4-BE49-F238E27FC236}">
-                <a16:creationId xmlns:a16="http://schemas.microsoft.com/office/drawing/2014/main" id="{A19ABE35-C298-4FDF-8B29-9E5099A394BF}"/>
-              </a:ext>
-            </a:extLst>
-          </p:cNvPr>
+          <p:cNvPr id="9" name="图片 8"/>
           <p:cNvPicPr>
             <a:picLocks noChangeAspect="1"/>
           </p:cNvPicPr>
           <p:nvPr/>
         </p:nvPicPr>
         <p:blipFill>
-          <a:blip r:embed="rId3"/>
+          <a:blip r:embed="rId1"/>
           <a:stretch>
             <a:fillRect/>
           </a:stretch>
@@ -15061,27 +15691,36 @@
         </p:spPr>
       </p:pic>
     </p:spTree>
-    <p:extLst>
-      <p:ext uri="{BB962C8B-B14F-4D97-AF65-F5344CB8AC3E}">
-        <p14:creationId xmlns:p14="http://schemas.microsoft.com/office/powerpoint/2010/main" val="1528977652"/>
-      </p:ext>
-    </p:extLst>
   </p:cSld>
   <p:clrMapOvr>
     <a:masterClrMapping/>
   </p:clrMapOvr>
+  <mc:AlternateContent xmlns:mc="http://schemas.openxmlformats.org/markup-compatibility/2006">
+    <mc:Choice xmlns:p14="http://schemas.microsoft.com/office/powerpoint/2010/main" Requires="p14">
+      <p:transition spd="slow" p14:dur="2000" advTm="3000"/>
+    </mc:Choice>
+    <mc:Fallback>
+      <p:transition spd="slow" advTm="3000"/>
+    </mc:Fallback>
+  </mc:AlternateContent>
 </p:sld>
 </file>
 
 <file path=ppt/tags/tag1.xml><?xml version="1.0" encoding="utf-8"?>
-<p:tagLst xmlns:a="http://schemas.openxmlformats.org/drawingml/2006/main" xmlns:r="http://schemas.openxmlformats.org/officeDocument/2006/relationships" xmlns:p="http://schemas.openxmlformats.org/presentationml/2006/main">
-  <p:tag name="COMMONDATA" val="eyJoZGlkIjoiODU3MmRiNTc3YTM3MWQyMTdlMmZiNzZlY2JhYjE2ZGQifQ=="/>
+<p:tagLst xmlns:p="http://schemas.openxmlformats.org/presentationml/2006/main">
+  <p:tag name="KSO_WM_UNIT_PLACING_PICTURE_USER_VIEWPORT" val="{&quot;height&quot;:7817,&quot;width&quot;:12924}"/>
 </p:tagLst>
 </file>
 
 <file path=ppt/tags/tag2.xml><?xml version="1.0" encoding="utf-8"?>
-<p:tagLst xmlns:a="http://schemas.openxmlformats.org/drawingml/2006/main" xmlns:r="http://schemas.openxmlformats.org/officeDocument/2006/relationships" xmlns:p="http://schemas.openxmlformats.org/presentationml/2006/main">
-  <p:tag name="KSO_WM_UNIT_PLACING_PICTURE_USER_VIEWPORT" val="{&quot;height&quot;:7817,&quot;width&quot;:12924}"/>
+<p:tagLst xmlns:p="http://schemas.openxmlformats.org/presentationml/2006/main">
+  <p:tag name="KSO_WM_UNIT_PLACING_PICTURE_USER_VIEWPORT" val="{&quot;height&quot;:11028,&quot;width&quot;:13980}"/>
+</p:tagLst>
+</file>
+
+<file path=ppt/tags/tag3.xml><?xml version="1.0" encoding="utf-8"?>
+<p:tagLst xmlns:p="http://schemas.openxmlformats.org/presentationml/2006/main">
+  <p:tag name="COMMONDATA" val="eyJoZGlkIjoiODU3MmRiNTc3YTM3MWQyMTdlMmZiNzZlY2JhYjE2ZGQifQ=="/>
 </p:tagLst>
 </file>
 
@@ -15276,8 +15915,6 @@
       </a:bgFillStyleLst>
     </a:fmtScheme>
   </a:themeElements>
-  <a:objectDefaults/>
-  <a:extraClrSchemeLst/>
   <a:extLst>
     <a:ext uri="{05A4C25C-085E-4340-85A3-A5531E510DB2}">
       <thm15:themeFamily xmlns:thm15="http://schemas.microsoft.com/office/thememl/2012/main" name="Office Theme" id="{62F939B6-93AF-4DB8-9C6B-D6C7DFDC589F}" vid="{4A3C46E8-61CC-4603-A589-7422A47A8E4A}"/>
@@ -15566,8 +16203,6 @@
       </a:bgFillStyleLst>
     </a:fmtScheme>
   </a:themeElements>
-  <a:objectDefaults/>
-  <a:extraClrSchemeLst/>
   <a:extLst>
     <a:ext uri="{05A4C25C-085E-4340-85A3-A5531E510DB2}">
       <thm15:themeFamily xmlns:thm15="http://schemas.microsoft.com/office/thememl/2012/main" name="Office Theme" id="{62F939B6-93AF-4DB8-9C6B-D6C7DFDC589F}" vid="{4A3C46E8-61CC-4603-A589-7422A47A8E4A}"/>
@@ -15827,8 +16462,6 @@
       </a:bgFillStyleLst>
     </a:fmtScheme>
   </a:themeElements>
-  <a:objectDefaults/>
-  <a:extraClrSchemeLst/>
   <a:extLst>
     <a:ext uri="{05A4C25C-085E-4340-85A3-A5531E510DB2}">
       <thm15:themeFamily xmlns:thm15="http://schemas.microsoft.com/office/thememl/2012/main" name="Office Theme" id="{62F939B6-93AF-4DB8-9C6B-D6C7DFDC589F}" vid="{4A3C46E8-61CC-4603-A589-7422A47A8E4A}"/>
